--- a/TestDrivingDotNet_Widescreen.pptx
+++ b/TestDrivingDotNet_Widescreen.pptx
@@ -13741,7 +13741,6 @@
               <a:rPr lang="en-US" sz="3793" dirty="0"/>
               <a:t>Isolated</a:t>
             </a:r>
-            <a:endParaRPr lang="en-US" sz="3793" dirty="0"/>
           </a:p>
           <a:p>
             <a:endParaRPr lang="en-US" sz="3251" dirty="0"/>
@@ -14302,13 +14301,8 @@
           <a:p>
             <a:r>
               <a:rPr lang="en-US" sz="3251" dirty="0"/>
-              <a:t>Arrange – Act – </a:t>
-            </a:r>
-            <a:r>
-              <a:rPr lang="en-US" sz="3251" dirty="0"/>
-              <a:t>Assert</a:t>
-            </a:r>
-            <a:endParaRPr lang="en-US" sz="3251" dirty="0"/>
+              <a:t>Arrange – Act – Assert</a:t>
+            </a:r>
           </a:p>
           <a:p>
             <a:endParaRPr lang="en-US" sz="3251" dirty="0"/>
@@ -15224,11 +15218,7 @@
             <a:pPr lvl="1"/>
             <a:r>
               <a:rPr lang="en-US" sz="2709" dirty="0"/>
-              <a:t>http://www.dotnetdevdude.com/downloads/code</a:t>
-            </a:r>
-            <a:r>
-              <a:rPr lang="en-US" sz="2709" dirty="0"/>
-              <a:t>/</a:t>
+              <a:t>http://www.dotnetdevdude.com/downloads/code/</a:t>
             </a:r>
             <a:br>
               <a:rPr lang="en-US" sz="2709" dirty="0"/>
@@ -16919,50 +16909,18 @@
                   <a:srgbClr val="000000"/>
                 </a:solidFill>
               </a:rPr>
-              <a:t>Types </a:t>
-            </a:r>
+              <a:t>Types of testing</a:t>
+            </a:r>
+          </a:p>
+          <a:p>
+            <a:pPr lvl="0"/>
             <a:r>
               <a:rPr lang="en-US" sz="3251" kern="0" dirty="0">
                 <a:solidFill>
                   <a:srgbClr val="000000"/>
                 </a:solidFill>
               </a:rPr>
-              <a:t>of </a:t>
-            </a:r>
-            <a:r>
-              <a:rPr lang="en-US" sz="3251" kern="0" dirty="0">
-                <a:solidFill>
-                  <a:srgbClr val="000000"/>
-                </a:solidFill>
-              </a:rPr>
-              <a:t>testing</a:t>
-            </a:r>
-          </a:p>
-          <a:p>
-            <a:pPr lvl="0"/>
-            <a:r>
-              <a:rPr lang="en-US" sz="3251" kern="0" dirty="0">
-                <a:solidFill>
-                  <a:srgbClr val="000000"/>
-                </a:solidFill>
-              </a:rPr>
-              <a:t>What </a:t>
-            </a:r>
-            <a:r>
-              <a:rPr lang="en-US" sz="3251" kern="0" dirty="0">
-                <a:solidFill>
-                  <a:srgbClr val="000000"/>
-                </a:solidFill>
-              </a:rPr>
-              <a:t>is Test-driven development</a:t>
-            </a:r>
-            <a:r>
-              <a:rPr lang="en-US" sz="3251" kern="0" dirty="0">
-                <a:solidFill>
-                  <a:srgbClr val="000000"/>
-                </a:solidFill>
-              </a:rPr>
-              <a:t>?</a:t>
+              <a:t>What is Test-driven development?</a:t>
             </a:r>
           </a:p>
           <a:p>
@@ -17031,11 +16989,6 @@
               </a:rPr>
               <a:t>Mocks, Fakes, Stubs</a:t>
             </a:r>
-            <a:endParaRPr lang="en-US" sz="3251" kern="0" dirty="0">
-              <a:solidFill>
-                <a:srgbClr val="000000"/>
-              </a:solidFill>
-            </a:endParaRPr>
           </a:p>
         </p:txBody>
       </p:sp>
@@ -17884,11 +17837,7 @@
           <a:p>
             <a:r>
               <a:rPr lang="en-US" sz="3251" kern="0" dirty="0"/>
-              <a:t>Find </a:t>
-            </a:r>
-            <a:r>
-              <a:rPr lang="en-US" sz="3251" kern="0" dirty="0"/>
-              <a:t>me:</a:t>
+              <a:t>Find me:</a:t>
             </a:r>
           </a:p>
           <a:p>
@@ -19978,6 +19927,19 @@
 </file>
 
 <file path=customXml/item1.xml><?xml version="1.0" encoding="utf-8"?>
+<p:properties xmlns:p="http://schemas.microsoft.com/office/2006/metadata/properties" xmlns:xsi="http://www.w3.org/2001/XMLSchema-instance" xmlns:pc="http://schemas.microsoft.com/office/infopath/2007/PartnerControls">
+  <documentManagement>
+    <Description0 xmlns="1e37aee8-73ad-441e-bced-8b530ad9291b">PowerPoint template with Microsoft Partner Network logo on it.</Description0>
+    <_dlc_DocId xmlns="52ad97b0-86c1-49b5-b544-c488bf38e7c0">SAZVWXQSR7YH-3011-7</_dlc_DocId>
+    <_dlc_DocIdUrl xmlns="52ad97b0-86c1-49b5-b544-c488bf38e7c0">
+      <Url>https://my.skylinetechnologies.com/Support/SalesMarketingCenter/branding/_layouts/DocIdRedir.aspx?ID=SAZVWXQSR7YH-3011-7</Url>
+      <Description>SAZVWXQSR7YH-3011-7</Description>
+    </_dlc_DocIdUrl>
+  </documentManagement>
+</p:properties>
+</file>
+
+<file path=customXml/item2.xml><?xml version="1.0" encoding="utf-8"?>
 <ct:contentTypeSchema xmlns:ct="http://schemas.microsoft.com/office/2006/metadata/contentType" xmlns:ma="http://schemas.microsoft.com/office/2006/metadata/properties/metaAttributes" ct:_="" ma:_="" ma:contentTypeName="Document" ma:contentTypeID="0x0101004D2E750987EE2543B234B3A674D6BE3D" ma:contentTypeVersion="105" ma:contentTypeDescription="Create a new document." ma:contentTypeScope="" ma:versionID="62fa037737ae31885dcb260bd5c7d1f2">
   <xsd:schema xmlns:xsd="http://www.w3.org/2001/XMLSchema" xmlns:xs="http://www.w3.org/2001/XMLSchema" xmlns:p="http://schemas.microsoft.com/office/2006/metadata/properties" xmlns:ns2="1e37aee8-73ad-441e-bced-8b530ad9291b" xmlns:ns3="52ad97b0-86c1-49b5-b544-c488bf38e7c0" targetNamespace="http://schemas.microsoft.com/office/2006/metadata/properties" ma:root="true" ma:fieldsID="ce0d2501b4c25830d7e1734de94951c7" ns2:_="" ns3:_="">
     <xsd:import namespace="1e37aee8-73ad-441e-bced-8b530ad9291b"/>
@@ -20135,20 +20097,16 @@
 </ct:contentTypeSchema>
 </file>
 
-<file path=customXml/item2.xml><?xml version="1.0" encoding="utf-8"?>
-<p:properties xmlns:p="http://schemas.microsoft.com/office/2006/metadata/properties" xmlns:xsi="http://www.w3.org/2001/XMLSchema-instance" xmlns:pc="http://schemas.microsoft.com/office/infopath/2007/PartnerControls">
-  <documentManagement>
-    <Description0 xmlns="1e37aee8-73ad-441e-bced-8b530ad9291b">PowerPoint template with Microsoft Partner Network logo on it.</Description0>
-    <_dlc_DocId xmlns="52ad97b0-86c1-49b5-b544-c488bf38e7c0">SAZVWXQSR7YH-3011-7</_dlc_DocId>
-    <_dlc_DocIdUrl xmlns="52ad97b0-86c1-49b5-b544-c488bf38e7c0">
-      <Url>https://my.skylinetechnologies.com/Support/SalesMarketingCenter/branding/_layouts/DocIdRedir.aspx?ID=SAZVWXQSR7YH-3011-7</Url>
-      <Description>SAZVWXQSR7YH-3011-7</Description>
-    </_dlc_DocIdUrl>
-  </documentManagement>
-</p:properties>
+<file path=customXml/item3.xml><?xml version="1.0" encoding="utf-8"?>
+<?mso-contentType ?>
+<FormTemplates xmlns="http://schemas.microsoft.com/sharepoint/v3/contenttype/forms">
+  <Display>DocumentLibraryForm</Display>
+  <Edit>DocumentLibraryForm</Edit>
+  <New>DocumentLibraryForm</New>
+</FormTemplates>
 </file>
 
-<file path=customXml/item3.xml><?xml version="1.0" encoding="utf-8"?>
+<file path=customXml/item4.xml><?xml version="1.0" encoding="utf-8"?>
 <?mso-contentType ?>
 <spe:Receivers xmlns:spe="http://schemas.microsoft.com/sharepoint/events">
   <Receiver>
@@ -20194,16 +20152,24 @@
 </spe:Receivers>
 </file>
 
-<file path=customXml/item4.xml><?xml version="1.0" encoding="utf-8"?>
-<?mso-contentType ?>
-<FormTemplates xmlns="http://schemas.microsoft.com/sharepoint/v3/contenttype/forms">
-  <Display>DocumentLibraryForm</Display>
-  <Edit>DocumentLibraryForm</Edit>
-  <New>DocumentLibraryForm</New>
-</FormTemplates>
+<file path=customXml/itemProps1.xml><?xml version="1.0" encoding="utf-8"?>
+<ds:datastoreItem xmlns:ds="http://schemas.openxmlformats.org/officeDocument/2006/customXml" ds:itemID="{9F5040E5-4564-49C1-9147-56F1700A1C56}">
+  <ds:schemaRefs>
+    <ds:schemaRef ds:uri="http://purl.org/dc/terms/"/>
+    <ds:schemaRef ds:uri="52ad97b0-86c1-49b5-b544-c488bf38e7c0"/>
+    <ds:schemaRef ds:uri="http://schemas.openxmlformats.org/package/2006/metadata/core-properties"/>
+    <ds:schemaRef ds:uri="http://purl.org/dc/elements/1.1/"/>
+    <ds:schemaRef ds:uri="http://www.w3.org/XML/1998/namespace"/>
+    <ds:schemaRef ds:uri="http://schemas.microsoft.com/office/2006/documentManagement/types"/>
+    <ds:schemaRef ds:uri="1e37aee8-73ad-441e-bced-8b530ad9291b"/>
+    <ds:schemaRef ds:uri="http://schemas.microsoft.com/office/2006/metadata/properties"/>
+    <ds:schemaRef ds:uri="http://schemas.microsoft.com/office/infopath/2007/PartnerControls"/>
+    <ds:schemaRef ds:uri="http://purl.org/dc/dcmitype/"/>
+  </ds:schemaRefs>
+</ds:datastoreItem>
 </file>
 
-<file path=customXml/itemProps1.xml><?xml version="1.0" encoding="utf-8"?>
+<file path=customXml/itemProps2.xml><?xml version="1.0" encoding="utf-8"?>
 <ds:datastoreItem xmlns:ds="http://schemas.openxmlformats.org/officeDocument/2006/customXml" ds:itemID="{B03FC495-EB61-4A2C-B8E7-345CEB92DF9F}">
   <ds:schemaRefs>
     <ds:schemaRef ds:uri="http://schemas.microsoft.com/office/2006/metadata/contentType"/>
@@ -20222,35 +20188,18 @@
 </ds:datastoreItem>
 </file>
 
-<file path=customXml/itemProps2.xml><?xml version="1.0" encoding="utf-8"?>
-<ds:datastoreItem xmlns:ds="http://schemas.openxmlformats.org/officeDocument/2006/customXml" ds:itemID="{9F5040E5-4564-49C1-9147-56F1700A1C56}">
+<file path=customXml/itemProps3.xml><?xml version="1.0" encoding="utf-8"?>
+<ds:datastoreItem xmlns:ds="http://schemas.openxmlformats.org/officeDocument/2006/customXml" ds:itemID="{B6DBE1C9-0895-41F8-89A3-98DC40E912B0}">
   <ds:schemaRefs>
-    <ds:schemaRef ds:uri="http://purl.org/dc/terms/"/>
-    <ds:schemaRef ds:uri="52ad97b0-86c1-49b5-b544-c488bf38e7c0"/>
-    <ds:schemaRef ds:uri="http://schemas.openxmlformats.org/package/2006/metadata/core-properties"/>
-    <ds:schemaRef ds:uri="http://purl.org/dc/elements/1.1/"/>
-    <ds:schemaRef ds:uri="http://www.w3.org/XML/1998/namespace"/>
-    <ds:schemaRef ds:uri="http://schemas.microsoft.com/office/2006/documentManagement/types"/>
-    <ds:schemaRef ds:uri="1e37aee8-73ad-441e-bced-8b530ad9291b"/>
-    <ds:schemaRef ds:uri="http://schemas.microsoft.com/office/2006/metadata/properties"/>
-    <ds:schemaRef ds:uri="http://schemas.microsoft.com/office/infopath/2007/PartnerControls"/>
-    <ds:schemaRef ds:uri="http://purl.org/dc/dcmitype/"/>
+    <ds:schemaRef ds:uri="http://schemas.microsoft.com/sharepoint/v3/contenttype/forms"/>
   </ds:schemaRefs>
 </ds:datastoreItem>
 </file>
 
-<file path=customXml/itemProps3.xml><?xml version="1.0" encoding="utf-8"?>
+<file path=customXml/itemProps4.xml><?xml version="1.0" encoding="utf-8"?>
 <ds:datastoreItem xmlns:ds="http://schemas.openxmlformats.org/officeDocument/2006/customXml" ds:itemID="{0068A067-F354-4585-8169-FC99DA836E1C}">
   <ds:schemaRefs>
     <ds:schemaRef ds:uri="http://schemas.microsoft.com/sharepoint/events"/>
   </ds:schemaRefs>
 </ds:datastoreItem>
-</file>
-
-<file path=customXml/itemProps4.xml><?xml version="1.0" encoding="utf-8"?>
-<ds:datastoreItem xmlns:ds="http://schemas.openxmlformats.org/officeDocument/2006/customXml" ds:itemID="{B6DBE1C9-0895-41F8-89A3-98DC40E912B0}">
-  <ds:schemaRefs>
-    <ds:schemaRef ds:uri="http://schemas.microsoft.com/sharepoint/v3/contenttype/forms"/>
-  </ds:schemaRefs>
-</ds:datastoreItem>
 </file>
--- a/TestDrivingDotNet_Widescreen.pptx
+++ b/TestDrivingDotNet_Widescreen.pptx
@@ -2,7 +2,7 @@
 <file path=ppt/presentation.xml><?xml version="1.0" encoding="utf-8"?>
 <p:presentation xmlns:a="http://schemas.openxmlformats.org/drawingml/2006/main" xmlns:r="http://schemas.openxmlformats.org/officeDocument/2006/relationships" xmlns:p="http://schemas.openxmlformats.org/presentationml/2006/main" saveSubsetFonts="1">
   <p:sldMasterIdLst>
-    <p:sldMasterId id="2147483685" r:id="rId5"/>
+    <p:sldMasterId id="2147483709" r:id="rId5"/>
   </p:sldMasterIdLst>
   <p:notesMasterIdLst>
     <p:notesMasterId r:id="rId39"/>
@@ -509,7 +509,7 @@
               <a:pPr>
                 <a:defRPr/>
               </a:pPr>
-              <a:t>8/21/2012</a:t>
+              <a:t>8/29/2012</a:t>
             </a:fld>
             <a:endParaRPr lang="en-US"/>
           </a:p>
@@ -8316,26 +8316,18 @@
             </a:br>
             <a:r>
               <a:rPr lang="en-US" sz="1493" dirty="0" smtClean="0"/>
-              <a:t>Senior </a:t>
-            </a:r>
-            <a:r>
-              <a:rPr lang="en-US" sz="1493" dirty="0" err="1" smtClean="0"/>
-              <a:t>Sofware</a:t>
-            </a:r>
-            <a:r>
-              <a:rPr lang="en-US" sz="1493" dirty="0" smtClean="0"/>
-              <a:t> Engineer</a:t>
+              <a:t>Senior Software Engineer</a:t>
             </a:r>
             <a:br>
               <a:rPr lang="en-US" sz="1493" dirty="0" smtClean="0"/>
             </a:br>
             <a:r>
               <a:rPr lang="en-US" sz="1493" dirty="0" smtClean="0"/>
-              <a:t>Skyline Technologies, </a:t>
-            </a:r>
-            <a:r>
-              <a:rPr lang="en-US" sz="1493" dirty="0" err="1" smtClean="0"/>
-              <a:t>Inc</a:t>
+              <a:t>Skyline Technologies</a:t>
+            </a:r>
+            <a:r>
+              <a:rPr lang="en-US" sz="1493" smtClean="0"/>
+              <a:t>, Inc.</a:t>
             </a:r>
             <a:endParaRPr lang="en-US" sz="1493" dirty="0" smtClean="0"/>
           </a:p>
@@ -8393,7 +8385,7 @@
     </p:spTree>
     <p:extLst>
       <p:ext uri="{BB962C8B-B14F-4D97-AF65-F5344CB8AC3E}">
-        <p14:creationId xmlns:p14="http://schemas.microsoft.com/office/powerpoint/2010/main" val="1011803669"/>
+        <p14:creationId xmlns:p14="http://schemas.microsoft.com/office/powerpoint/2010/main" val="3270194454"/>
       </p:ext>
     </p:extLst>
   </p:cSld>
@@ -8505,13 +8497,20 @@
     </p:spTree>
     <p:extLst>
       <p:ext uri="{BB962C8B-B14F-4D97-AF65-F5344CB8AC3E}">
-        <p14:creationId xmlns:p14="http://schemas.microsoft.com/office/powerpoint/2010/main" val="1319375960"/>
+        <p14:creationId xmlns:p14="http://schemas.microsoft.com/office/powerpoint/2010/main" val="2651704836"/>
       </p:ext>
     </p:extLst>
   </p:cSld>
   <p:clrMapOvr>
     <a:masterClrMapping/>
   </p:clrMapOvr>
+  <p:timing>
+    <p:tnLst>
+      <p:par>
+        <p:cTn id="1" dur="indefinite" restart="never" nodeType="tmRoot"/>
+      </p:par>
+    </p:tnLst>
+  </p:timing>
 </p:sldLayout>
 </file>
 
@@ -8620,13 +8619,20 @@
     </p:spTree>
     <p:extLst>
       <p:ext uri="{BB962C8B-B14F-4D97-AF65-F5344CB8AC3E}">
-        <p14:creationId xmlns:p14="http://schemas.microsoft.com/office/powerpoint/2010/main" val="3461838523"/>
+        <p14:creationId xmlns:p14="http://schemas.microsoft.com/office/powerpoint/2010/main" val="1354532518"/>
       </p:ext>
     </p:extLst>
   </p:cSld>
   <p:clrMapOvr>
     <a:masterClrMapping/>
   </p:clrMapOvr>
+  <p:timing>
+    <p:tnLst>
+      <p:par>
+        <p:cTn id="1" dur="indefinite" restart="never" nodeType="tmRoot"/>
+      </p:par>
+    </p:tnLst>
+  </p:timing>
 </p:sldLayout>
 </file>
 
@@ -8725,13 +8731,20 @@
     </p:spTree>
     <p:extLst>
       <p:ext uri="{BB962C8B-B14F-4D97-AF65-F5344CB8AC3E}">
-        <p14:creationId xmlns:p14="http://schemas.microsoft.com/office/powerpoint/2010/main" val="610986679"/>
+        <p14:creationId xmlns:p14="http://schemas.microsoft.com/office/powerpoint/2010/main" val="1923927673"/>
       </p:ext>
     </p:extLst>
   </p:cSld>
   <p:clrMapOvr>
     <a:masterClrMapping/>
   </p:clrMapOvr>
+  <p:timing>
+    <p:tnLst>
+      <p:par>
+        <p:cTn id="1" dur="indefinite" restart="never" nodeType="tmRoot"/>
+      </p:par>
+    </p:tnLst>
+  </p:timing>
 </p:sldLayout>
 </file>
 
@@ -8858,13 +8871,20 @@
     </p:spTree>
     <p:extLst>
       <p:ext uri="{BB962C8B-B14F-4D97-AF65-F5344CB8AC3E}">
-        <p14:creationId xmlns:p14="http://schemas.microsoft.com/office/powerpoint/2010/main" val="971019234"/>
+        <p14:creationId xmlns:p14="http://schemas.microsoft.com/office/powerpoint/2010/main" val="2193942030"/>
       </p:ext>
     </p:extLst>
   </p:cSld>
   <p:clrMapOvr>
     <a:masterClrMapping/>
   </p:clrMapOvr>
+  <p:timing>
+    <p:tnLst>
+      <p:par>
+        <p:cTn id="1" dur="indefinite" restart="never" nodeType="tmRoot"/>
+      </p:par>
+    </p:tnLst>
+  </p:timing>
 </p:sldLayout>
 </file>
 
@@ -9081,13 +9101,20 @@
     </p:spTree>
     <p:extLst>
       <p:ext uri="{BB962C8B-B14F-4D97-AF65-F5344CB8AC3E}">
-        <p14:creationId xmlns:p14="http://schemas.microsoft.com/office/powerpoint/2010/main" val="3768167336"/>
+        <p14:creationId xmlns:p14="http://schemas.microsoft.com/office/powerpoint/2010/main" val="1541990535"/>
       </p:ext>
     </p:extLst>
   </p:cSld>
   <p:clrMapOvr>
     <a:masterClrMapping/>
   </p:clrMapOvr>
+  <p:timing>
+    <p:tnLst>
+      <p:par>
+        <p:cTn id="1" dur="indefinite" restart="never" nodeType="tmRoot"/>
+      </p:par>
+    </p:tnLst>
+  </p:timing>
 </p:sldLayout>
 </file>
 
@@ -9439,13 +9466,20 @@
     </p:spTree>
     <p:extLst>
       <p:ext uri="{BB962C8B-B14F-4D97-AF65-F5344CB8AC3E}">
-        <p14:creationId xmlns:p14="http://schemas.microsoft.com/office/powerpoint/2010/main" val="553378978"/>
+        <p14:creationId xmlns:p14="http://schemas.microsoft.com/office/powerpoint/2010/main" val="3889182762"/>
       </p:ext>
     </p:extLst>
   </p:cSld>
   <p:clrMapOvr>
     <a:masterClrMapping/>
   </p:clrMapOvr>
+  <p:timing>
+    <p:tnLst>
+      <p:par>
+        <p:cTn id="1" dur="indefinite" restart="never" nodeType="tmRoot"/>
+      </p:par>
+    </p:tnLst>
+  </p:timing>
 </p:sldLayout>
 </file>
 
@@ -9492,13 +9526,20 @@
     </p:spTree>
     <p:extLst>
       <p:ext uri="{BB962C8B-B14F-4D97-AF65-F5344CB8AC3E}">
-        <p14:creationId xmlns:p14="http://schemas.microsoft.com/office/powerpoint/2010/main" val="3798159975"/>
+        <p14:creationId xmlns:p14="http://schemas.microsoft.com/office/powerpoint/2010/main" val="1122261155"/>
       </p:ext>
     </p:extLst>
   </p:cSld>
   <p:clrMapOvr>
     <a:masterClrMapping/>
   </p:clrMapOvr>
+  <p:timing>
+    <p:tnLst>
+      <p:par>
+        <p:cTn id="1" dur="indefinite" restart="never" nodeType="tmRoot"/>
+      </p:par>
+    </p:tnLst>
+  </p:timing>
 </p:sldLayout>
 </file>
 
@@ -9522,13 +9563,20 @@
     </p:spTree>
     <p:extLst>
       <p:ext uri="{BB962C8B-B14F-4D97-AF65-F5344CB8AC3E}">
-        <p14:creationId xmlns:p14="http://schemas.microsoft.com/office/powerpoint/2010/main" val="253769765"/>
+        <p14:creationId xmlns:p14="http://schemas.microsoft.com/office/powerpoint/2010/main" val="1042104765"/>
       </p:ext>
     </p:extLst>
   </p:cSld>
   <p:clrMapOvr>
     <a:masterClrMapping/>
   </p:clrMapOvr>
+  <p:timing>
+    <p:tnLst>
+      <p:par>
+        <p:cTn id="1" dur="indefinite" restart="never" nodeType="tmRoot"/>
+      </p:par>
+    </p:tnLst>
+  </p:timing>
 </p:sldLayout>
 </file>
 
@@ -9734,13 +9782,20 @@
     </p:spTree>
     <p:extLst>
       <p:ext uri="{BB962C8B-B14F-4D97-AF65-F5344CB8AC3E}">
-        <p14:creationId xmlns:p14="http://schemas.microsoft.com/office/powerpoint/2010/main" val="3639194051"/>
+        <p14:creationId xmlns:p14="http://schemas.microsoft.com/office/powerpoint/2010/main" val="986117414"/>
       </p:ext>
     </p:extLst>
   </p:cSld>
   <p:clrMapOvr>
     <a:masterClrMapping/>
   </p:clrMapOvr>
+  <p:timing>
+    <p:tnLst>
+      <p:par>
+        <p:cTn id="1" dur="indefinite" restart="never" nodeType="tmRoot"/>
+      </p:par>
+    </p:tnLst>
+  </p:timing>
 </p:sldLayout>
 </file>
 
@@ -9926,13 +9981,20 @@
     </p:spTree>
     <p:extLst>
       <p:ext uri="{BB962C8B-B14F-4D97-AF65-F5344CB8AC3E}">
-        <p14:creationId xmlns:p14="http://schemas.microsoft.com/office/powerpoint/2010/main" val="1761972380"/>
+        <p14:creationId xmlns:p14="http://schemas.microsoft.com/office/powerpoint/2010/main" val="2930438506"/>
       </p:ext>
     </p:extLst>
   </p:cSld>
   <p:clrMapOvr>
     <a:masterClrMapping/>
   </p:clrMapOvr>
+  <p:timing>
+    <p:tnLst>
+      <p:par>
+        <p:cTn id="1" dur="indefinite" restart="never" nodeType="tmRoot"/>
+      </p:par>
+    </p:tnLst>
+  </p:timing>
 </p:sldLayout>
 </file>
 
@@ -10116,23 +10178,23 @@
     </p:spTree>
     <p:extLst>
       <p:ext uri="{BB962C8B-B14F-4D97-AF65-F5344CB8AC3E}">
-        <p14:creationId xmlns:p14="http://schemas.microsoft.com/office/powerpoint/2010/main" val="139030164"/>
+        <p14:creationId xmlns:p14="http://schemas.microsoft.com/office/powerpoint/2010/main" val="1343352417"/>
       </p:ext>
     </p:extLst>
   </p:cSld>
   <p:clrMap bg1="lt1" tx1="dk1" bg2="lt2" tx2="dk2" accent1="accent1" accent2="accent2" accent3="accent3" accent4="accent4" accent5="accent5" accent6="accent6" hlink="hlink" folHlink="folHlink"/>
   <p:sldLayoutIdLst>
-    <p:sldLayoutId id="2147483686" r:id="rId1"/>
-    <p:sldLayoutId id="2147483687" r:id="rId2"/>
-    <p:sldLayoutId id="2147483688" r:id="rId3"/>
-    <p:sldLayoutId id="2147483689" r:id="rId4"/>
-    <p:sldLayoutId id="2147483690" r:id="rId5"/>
-    <p:sldLayoutId id="2147483691" r:id="rId6"/>
-    <p:sldLayoutId id="2147483692" r:id="rId7"/>
-    <p:sldLayoutId id="2147483693" r:id="rId8"/>
-    <p:sldLayoutId id="2147483694" r:id="rId9"/>
-    <p:sldLayoutId id="2147483695" r:id="rId10"/>
-    <p:sldLayoutId id="2147483696" r:id="rId11"/>
+    <p:sldLayoutId id="2147483710" r:id="rId1"/>
+    <p:sldLayoutId id="2147483711" r:id="rId2"/>
+    <p:sldLayoutId id="2147483712" r:id="rId3"/>
+    <p:sldLayoutId id="2147483713" r:id="rId4"/>
+    <p:sldLayoutId id="2147483714" r:id="rId5"/>
+    <p:sldLayoutId id="2147483715" r:id="rId6"/>
+    <p:sldLayoutId id="2147483716" r:id="rId7"/>
+    <p:sldLayoutId id="2147483717" r:id="rId8"/>
+    <p:sldLayoutId id="2147483718" r:id="rId9"/>
+    <p:sldLayoutId id="2147483719" r:id="rId10"/>
+    <p:sldLayoutId id="2147483720" r:id="rId11"/>
   </p:sldLayoutIdLst>
   <p:timing>
     <p:tnLst>
@@ -19927,19 +19989,6 @@
 </file>
 
 <file path=customXml/item1.xml><?xml version="1.0" encoding="utf-8"?>
-<p:properties xmlns:p="http://schemas.microsoft.com/office/2006/metadata/properties" xmlns:xsi="http://www.w3.org/2001/XMLSchema-instance" xmlns:pc="http://schemas.microsoft.com/office/infopath/2007/PartnerControls">
-  <documentManagement>
-    <Description0 xmlns="1e37aee8-73ad-441e-bced-8b530ad9291b">PowerPoint template with Microsoft Partner Network logo on it.</Description0>
-    <_dlc_DocId xmlns="52ad97b0-86c1-49b5-b544-c488bf38e7c0">SAZVWXQSR7YH-3011-7</_dlc_DocId>
-    <_dlc_DocIdUrl xmlns="52ad97b0-86c1-49b5-b544-c488bf38e7c0">
-      <Url>https://my.skylinetechnologies.com/Support/SalesMarketingCenter/branding/_layouts/DocIdRedir.aspx?ID=SAZVWXQSR7YH-3011-7</Url>
-      <Description>SAZVWXQSR7YH-3011-7</Description>
-    </_dlc_DocIdUrl>
-  </documentManagement>
-</p:properties>
-</file>
-
-<file path=customXml/item2.xml><?xml version="1.0" encoding="utf-8"?>
 <ct:contentTypeSchema xmlns:ct="http://schemas.microsoft.com/office/2006/metadata/contentType" xmlns:ma="http://schemas.microsoft.com/office/2006/metadata/properties/metaAttributes" ct:_="" ma:_="" ma:contentTypeName="Document" ma:contentTypeID="0x0101004D2E750987EE2543B234B3A674D6BE3D" ma:contentTypeVersion="105" ma:contentTypeDescription="Create a new document." ma:contentTypeScope="" ma:versionID="62fa037737ae31885dcb260bd5c7d1f2">
   <xsd:schema xmlns:xsd="http://www.w3.org/2001/XMLSchema" xmlns:xs="http://www.w3.org/2001/XMLSchema" xmlns:p="http://schemas.microsoft.com/office/2006/metadata/properties" xmlns:ns2="1e37aee8-73ad-441e-bced-8b530ad9291b" xmlns:ns3="52ad97b0-86c1-49b5-b544-c488bf38e7c0" targetNamespace="http://schemas.microsoft.com/office/2006/metadata/properties" ma:root="true" ma:fieldsID="ce0d2501b4c25830d7e1734de94951c7" ns2:_="" ns3:_="">
     <xsd:import namespace="1e37aee8-73ad-441e-bced-8b530ad9291b"/>
@@ -20097,16 +20146,20 @@
 </ct:contentTypeSchema>
 </file>
 
-<file path=customXml/item3.xml><?xml version="1.0" encoding="utf-8"?>
-<?mso-contentType ?>
-<FormTemplates xmlns="http://schemas.microsoft.com/sharepoint/v3/contenttype/forms">
-  <Display>DocumentLibraryForm</Display>
-  <Edit>DocumentLibraryForm</Edit>
-  <New>DocumentLibraryForm</New>
-</FormTemplates>
+<file path=customXml/item2.xml><?xml version="1.0" encoding="utf-8"?>
+<p:properties xmlns:p="http://schemas.microsoft.com/office/2006/metadata/properties" xmlns:xsi="http://www.w3.org/2001/XMLSchema-instance" xmlns:pc="http://schemas.microsoft.com/office/infopath/2007/PartnerControls">
+  <documentManagement>
+    <Description0 xmlns="1e37aee8-73ad-441e-bced-8b530ad9291b">PowerPoint template with Microsoft Partner Network logo on it.</Description0>
+    <_dlc_DocId xmlns="52ad97b0-86c1-49b5-b544-c488bf38e7c0">SAZVWXQSR7YH-3011-7</_dlc_DocId>
+    <_dlc_DocIdUrl xmlns="52ad97b0-86c1-49b5-b544-c488bf38e7c0">
+      <Url>https://my.skylinetechnologies.com/Support/SalesMarketingCenter/branding/_layouts/DocIdRedir.aspx?ID=SAZVWXQSR7YH-3011-7</Url>
+      <Description>SAZVWXQSR7YH-3011-7</Description>
+    </_dlc_DocIdUrl>
+  </documentManagement>
+</p:properties>
 </file>
 
-<file path=customXml/item4.xml><?xml version="1.0" encoding="utf-8"?>
+<file path=customXml/item3.xml><?xml version="1.0" encoding="utf-8"?>
 <?mso-contentType ?>
 <spe:Receivers xmlns:spe="http://schemas.microsoft.com/sharepoint/events">
   <Receiver>
@@ -20152,24 +20205,16 @@
 </spe:Receivers>
 </file>
 
-<file path=customXml/itemProps1.xml><?xml version="1.0" encoding="utf-8"?>
-<ds:datastoreItem xmlns:ds="http://schemas.openxmlformats.org/officeDocument/2006/customXml" ds:itemID="{9F5040E5-4564-49C1-9147-56F1700A1C56}">
-  <ds:schemaRefs>
-    <ds:schemaRef ds:uri="http://purl.org/dc/terms/"/>
-    <ds:schemaRef ds:uri="52ad97b0-86c1-49b5-b544-c488bf38e7c0"/>
-    <ds:schemaRef ds:uri="http://schemas.openxmlformats.org/package/2006/metadata/core-properties"/>
-    <ds:schemaRef ds:uri="http://purl.org/dc/elements/1.1/"/>
-    <ds:schemaRef ds:uri="http://www.w3.org/XML/1998/namespace"/>
-    <ds:schemaRef ds:uri="http://schemas.microsoft.com/office/2006/documentManagement/types"/>
-    <ds:schemaRef ds:uri="1e37aee8-73ad-441e-bced-8b530ad9291b"/>
-    <ds:schemaRef ds:uri="http://schemas.microsoft.com/office/2006/metadata/properties"/>
-    <ds:schemaRef ds:uri="http://schemas.microsoft.com/office/infopath/2007/PartnerControls"/>
-    <ds:schemaRef ds:uri="http://purl.org/dc/dcmitype/"/>
-  </ds:schemaRefs>
-</ds:datastoreItem>
+<file path=customXml/item4.xml><?xml version="1.0" encoding="utf-8"?>
+<?mso-contentType ?>
+<FormTemplates xmlns="http://schemas.microsoft.com/sharepoint/v3/contenttype/forms">
+  <Display>DocumentLibraryForm</Display>
+  <Edit>DocumentLibraryForm</Edit>
+  <New>DocumentLibraryForm</New>
+</FormTemplates>
 </file>
 
-<file path=customXml/itemProps2.xml><?xml version="1.0" encoding="utf-8"?>
+<file path=customXml/itemProps1.xml><?xml version="1.0" encoding="utf-8"?>
 <ds:datastoreItem xmlns:ds="http://schemas.openxmlformats.org/officeDocument/2006/customXml" ds:itemID="{B03FC495-EB61-4A2C-B8E7-345CEB92DF9F}">
   <ds:schemaRefs>
     <ds:schemaRef ds:uri="http://schemas.microsoft.com/office/2006/metadata/contentType"/>
@@ -20188,18 +20233,35 @@
 </ds:datastoreItem>
 </file>
 
+<file path=customXml/itemProps2.xml><?xml version="1.0" encoding="utf-8"?>
+<ds:datastoreItem xmlns:ds="http://schemas.openxmlformats.org/officeDocument/2006/customXml" ds:itemID="{9F5040E5-4564-49C1-9147-56F1700A1C56}">
+  <ds:schemaRefs>
+    <ds:schemaRef ds:uri="http://purl.org/dc/terms/"/>
+    <ds:schemaRef ds:uri="52ad97b0-86c1-49b5-b544-c488bf38e7c0"/>
+    <ds:schemaRef ds:uri="http://schemas.openxmlformats.org/package/2006/metadata/core-properties"/>
+    <ds:schemaRef ds:uri="http://purl.org/dc/elements/1.1/"/>
+    <ds:schemaRef ds:uri="http://www.w3.org/XML/1998/namespace"/>
+    <ds:schemaRef ds:uri="http://schemas.microsoft.com/office/2006/documentManagement/types"/>
+    <ds:schemaRef ds:uri="1e37aee8-73ad-441e-bced-8b530ad9291b"/>
+    <ds:schemaRef ds:uri="http://schemas.microsoft.com/office/2006/metadata/properties"/>
+    <ds:schemaRef ds:uri="http://schemas.microsoft.com/office/infopath/2007/PartnerControls"/>
+    <ds:schemaRef ds:uri="http://purl.org/dc/dcmitype/"/>
+  </ds:schemaRefs>
+</ds:datastoreItem>
+</file>
+
 <file path=customXml/itemProps3.xml><?xml version="1.0" encoding="utf-8"?>
+<ds:datastoreItem xmlns:ds="http://schemas.openxmlformats.org/officeDocument/2006/customXml" ds:itemID="{0068A067-F354-4585-8169-FC99DA836E1C}">
+  <ds:schemaRefs>
+    <ds:schemaRef ds:uri="http://schemas.microsoft.com/sharepoint/events"/>
+  </ds:schemaRefs>
+</ds:datastoreItem>
+</file>
+
+<file path=customXml/itemProps4.xml><?xml version="1.0" encoding="utf-8"?>
 <ds:datastoreItem xmlns:ds="http://schemas.openxmlformats.org/officeDocument/2006/customXml" ds:itemID="{B6DBE1C9-0895-41F8-89A3-98DC40E912B0}">
   <ds:schemaRefs>
     <ds:schemaRef ds:uri="http://schemas.microsoft.com/sharepoint/v3/contenttype/forms"/>
   </ds:schemaRefs>
 </ds:datastoreItem>
-</file>
-
-<file path=customXml/itemProps4.xml><?xml version="1.0" encoding="utf-8"?>
-<ds:datastoreItem xmlns:ds="http://schemas.openxmlformats.org/officeDocument/2006/customXml" ds:itemID="{0068A067-F354-4585-8169-FC99DA836E1C}">
-  <ds:schemaRefs>
-    <ds:schemaRef ds:uri="http://schemas.microsoft.com/sharepoint/events"/>
-  </ds:schemaRefs>
-</ds:datastoreItem>
 </file>
--- a/TestDrivingDotNet_Widescreen.pptx
+++ b/TestDrivingDotNet_Widescreen.pptx
@@ -509,7 +509,7 @@
               <a:pPr>
                 <a:defRPr/>
               </a:pPr>
-              <a:t>8/29/2012</a:t>
+              <a:t>8/30/2012</a:t>
             </a:fld>
             <a:endParaRPr lang="en-US"/>
           </a:p>
@@ -3445,7 +3445,7 @@
             </a:pPr>
             <a:r>
               <a:rPr lang="en-US" sz="1400" dirty="0" smtClean="0"/>
-              <a:t>Our contrived example is a simple calculator with an Add method </a:t>
+              <a:t>SHOW SPEC!!!!!!!</a:t>
             </a:r>
           </a:p>
           <a:p>
@@ -3455,6 +3455,20 @@
             </a:pPr>
             <a:r>
               <a:rPr lang="en-US" sz="1400" dirty="0" smtClean="0"/>
+              <a:t>Our </a:t>
+            </a:r>
+            <a:r>
+              <a:rPr lang="en-US" sz="1400" dirty="0" smtClean="0"/>
+              <a:t>contrived example is a simple calculator with an Add method </a:t>
+            </a:r>
+          </a:p>
+          <a:p>
+            <a:pPr marL="742950" lvl="1" indent="-285750" algn="l">
+              <a:buFont typeface="Arial" pitchFamily="34" charset="0"/>
+              <a:buChar char="•"/>
+            </a:pPr>
+            <a:r>
+              <a:rPr lang="en-US" sz="1400" dirty="0" smtClean="0"/>
               <a:t>Must accept to 2 decimals, and return a decimal</a:t>
             </a:r>
           </a:p>
@@ -3507,350 +3521,10 @@
               <a:rPr lang="en-US" sz="1400" dirty="0" smtClean="0"/>
               <a:t>Write test with standard assert </a:t>
             </a:r>
-          </a:p>
-          <a:p>
-            <a:pPr lvl="3"/>
-            <a:r>
-              <a:rPr lang="en-US" sz="1200" kern="1200" baseline="0" dirty="0" smtClean="0">
-                <a:solidFill>
-                  <a:schemeClr val="tx1"/>
-                </a:solidFill>
-                <a:latin typeface="+mn-lt"/>
-                <a:ea typeface="+mn-ea"/>
-                <a:cs typeface="+mn-cs"/>
-              </a:rPr>
-              <a:t>        </a:t>
-            </a:r>
-            <a:r>
-              <a:rPr lang="en-US" sz="1200" kern="1200" dirty="0" smtClean="0">
-                <a:solidFill>
-                  <a:schemeClr val="tx1"/>
-                </a:solidFill>
-                <a:latin typeface="+mn-lt"/>
-                <a:ea typeface="+mn-ea"/>
-                <a:cs typeface="+mn-cs"/>
-              </a:rPr>
-              <a:t>[</a:t>
-            </a:r>
-            <a:r>
-              <a:rPr lang="en-US" sz="1200" kern="1200" dirty="0" err="1" smtClean="0">
-                <a:solidFill>
-                  <a:schemeClr val="tx1"/>
-                </a:solidFill>
-                <a:latin typeface="+mn-lt"/>
-                <a:ea typeface="+mn-ea"/>
-                <a:cs typeface="+mn-cs"/>
-              </a:rPr>
-              <a:t>TestMethod</a:t>
-            </a:r>
-            <a:r>
-              <a:rPr lang="en-US" sz="1200" kern="1200" dirty="0" smtClean="0">
-                <a:solidFill>
-                  <a:schemeClr val="tx1"/>
-                </a:solidFill>
-                <a:latin typeface="+mn-lt"/>
-                <a:ea typeface="+mn-ea"/>
-                <a:cs typeface="+mn-cs"/>
-              </a:rPr>
-              <a:t>]</a:t>
-            </a:r>
-          </a:p>
-          <a:p>
-            <a:pPr lvl="3"/>
-            <a:r>
-              <a:rPr lang="en-US" sz="1200" kern="1200" dirty="0" smtClean="0">
-                <a:solidFill>
-                  <a:schemeClr val="tx1"/>
-                </a:solidFill>
-                <a:latin typeface="+mn-lt"/>
-                <a:ea typeface="+mn-ea"/>
-                <a:cs typeface="+mn-cs"/>
-              </a:rPr>
-              <a:t>        public void </a:t>
-            </a:r>
-            <a:r>
-              <a:rPr lang="en-US" sz="1200" kern="1200" dirty="0" err="1" smtClean="0">
-                <a:solidFill>
-                  <a:schemeClr val="tx1"/>
-                </a:solidFill>
-                <a:latin typeface="+mn-lt"/>
-                <a:ea typeface="+mn-ea"/>
-                <a:cs typeface="+mn-cs"/>
-              </a:rPr>
-              <a:t>Add_ShouldReturn_Decimal</a:t>
-            </a:r>
-            <a:r>
-              <a:rPr lang="en-US" sz="1200" kern="1200" dirty="0" smtClean="0">
-                <a:solidFill>
-                  <a:schemeClr val="tx1"/>
-                </a:solidFill>
-                <a:latin typeface="+mn-lt"/>
-                <a:ea typeface="+mn-ea"/>
-                <a:cs typeface="+mn-cs"/>
-              </a:rPr>
-              <a:t>() {</a:t>
-            </a:r>
-          </a:p>
-          <a:p>
-            <a:pPr lvl="3"/>
-            <a:r>
-              <a:rPr lang="en-US" sz="1200" kern="1200" dirty="0" smtClean="0">
-                <a:solidFill>
-                  <a:schemeClr val="tx1"/>
-                </a:solidFill>
-                <a:latin typeface="+mn-lt"/>
-                <a:ea typeface="+mn-ea"/>
-                <a:cs typeface="+mn-cs"/>
-              </a:rPr>
-              <a:t>            //Arrange</a:t>
-            </a:r>
-          </a:p>
-          <a:p>
-            <a:pPr lvl="3"/>
-            <a:r>
-              <a:rPr lang="en-US" sz="1200" kern="1200" dirty="0" smtClean="0">
-                <a:solidFill>
-                  <a:schemeClr val="tx1"/>
-                </a:solidFill>
-                <a:latin typeface="+mn-lt"/>
-                <a:ea typeface="+mn-ea"/>
-                <a:cs typeface="+mn-cs"/>
-              </a:rPr>
-              <a:t>            decimal val1 = 1.23m;</a:t>
-            </a:r>
-          </a:p>
-          <a:p>
-            <a:pPr lvl="3"/>
-            <a:r>
-              <a:rPr lang="en-US" sz="1200" kern="1200" dirty="0" smtClean="0">
-                <a:solidFill>
-                  <a:schemeClr val="tx1"/>
-                </a:solidFill>
-                <a:latin typeface="+mn-lt"/>
-                <a:ea typeface="+mn-ea"/>
-                <a:cs typeface="+mn-cs"/>
-              </a:rPr>
-              <a:t>            decimal val2 = 3.21m;</a:t>
-            </a:r>
-          </a:p>
-          <a:p>
-            <a:pPr lvl="3"/>
-            <a:r>
-              <a:rPr lang="en-US" sz="1200" kern="1200" dirty="0" smtClean="0">
-                <a:solidFill>
-                  <a:schemeClr val="tx1"/>
-                </a:solidFill>
-                <a:latin typeface="+mn-lt"/>
-                <a:ea typeface="+mn-ea"/>
-                <a:cs typeface="+mn-cs"/>
-              </a:rPr>
-              <a:t>            </a:t>
-            </a:r>
-            <a:r>
-              <a:rPr lang="en-US" sz="1200" kern="1200" dirty="0" err="1" smtClean="0">
-                <a:solidFill>
-                  <a:schemeClr val="tx1"/>
-                </a:solidFill>
-                <a:latin typeface="+mn-lt"/>
-                <a:ea typeface="+mn-ea"/>
-                <a:cs typeface="+mn-cs"/>
-              </a:rPr>
-              <a:t>ICalculatorService</a:t>
-            </a:r>
-            <a:r>
-              <a:rPr lang="en-US" sz="1200" kern="1200" dirty="0" smtClean="0">
-                <a:solidFill>
-                  <a:schemeClr val="tx1"/>
-                </a:solidFill>
-                <a:latin typeface="+mn-lt"/>
-                <a:ea typeface="+mn-ea"/>
-                <a:cs typeface="+mn-cs"/>
-              </a:rPr>
-              <a:t> service = new </a:t>
-            </a:r>
-            <a:r>
-              <a:rPr lang="en-US" sz="1200" kern="1200" dirty="0" err="1" smtClean="0">
-                <a:solidFill>
-                  <a:schemeClr val="tx1"/>
-                </a:solidFill>
-                <a:latin typeface="+mn-lt"/>
-                <a:ea typeface="+mn-ea"/>
-                <a:cs typeface="+mn-cs"/>
-              </a:rPr>
-              <a:t>CalculatorService</a:t>
-            </a:r>
-            <a:r>
-              <a:rPr lang="en-US" sz="1200" kern="1200" dirty="0" smtClean="0">
-                <a:solidFill>
-                  <a:schemeClr val="tx1"/>
-                </a:solidFill>
-                <a:latin typeface="+mn-lt"/>
-                <a:ea typeface="+mn-ea"/>
-                <a:cs typeface="+mn-cs"/>
-              </a:rPr>
-              <a:t>();</a:t>
-            </a:r>
-          </a:p>
-          <a:p>
-            <a:pPr lvl="3"/>
-            <a:r>
-              <a:rPr lang="en-US" sz="1200" kern="1200" dirty="0" smtClean="0">
-                <a:solidFill>
-                  <a:schemeClr val="tx1"/>
-                </a:solidFill>
-                <a:latin typeface="+mn-lt"/>
-                <a:ea typeface="+mn-ea"/>
-                <a:cs typeface="+mn-cs"/>
-              </a:rPr>
-              <a:t>            //Act</a:t>
-            </a:r>
-          </a:p>
-          <a:p>
-            <a:pPr lvl="3"/>
-            <a:r>
-              <a:rPr lang="en-US" sz="1200" kern="1200" dirty="0" smtClean="0">
-                <a:solidFill>
-                  <a:schemeClr val="tx1"/>
-                </a:solidFill>
-                <a:latin typeface="+mn-lt"/>
-                <a:ea typeface="+mn-ea"/>
-                <a:cs typeface="+mn-cs"/>
-              </a:rPr>
-              <a:t>            </a:t>
-            </a:r>
-            <a:r>
-              <a:rPr lang="en-US" sz="1200" kern="1200" dirty="0" err="1" smtClean="0">
-                <a:solidFill>
-                  <a:schemeClr val="tx1"/>
-                </a:solidFill>
-                <a:latin typeface="+mn-lt"/>
-                <a:ea typeface="+mn-ea"/>
-                <a:cs typeface="+mn-cs"/>
-              </a:rPr>
-              <a:t>var</a:t>
-            </a:r>
-            <a:r>
-              <a:rPr lang="en-US" sz="1200" kern="1200" dirty="0" smtClean="0">
-                <a:solidFill>
-                  <a:schemeClr val="tx1"/>
-                </a:solidFill>
-                <a:latin typeface="+mn-lt"/>
-                <a:ea typeface="+mn-ea"/>
-                <a:cs typeface="+mn-cs"/>
-              </a:rPr>
-              <a:t> result = </a:t>
-            </a:r>
-            <a:r>
-              <a:rPr lang="en-US" sz="1200" kern="1200" dirty="0" err="1" smtClean="0">
-                <a:solidFill>
-                  <a:schemeClr val="tx1"/>
-                </a:solidFill>
-                <a:latin typeface="+mn-lt"/>
-                <a:ea typeface="+mn-ea"/>
-                <a:cs typeface="+mn-cs"/>
-              </a:rPr>
-              <a:t>service.Add</a:t>
-            </a:r>
-            <a:r>
-              <a:rPr lang="en-US" sz="1200" kern="1200" dirty="0" smtClean="0">
-                <a:solidFill>
-                  <a:schemeClr val="tx1"/>
-                </a:solidFill>
-                <a:latin typeface="+mn-lt"/>
-                <a:ea typeface="+mn-ea"/>
-                <a:cs typeface="+mn-cs"/>
-              </a:rPr>
-              <a:t>(val1, val2);</a:t>
-            </a:r>
-          </a:p>
-          <a:p>
-            <a:pPr lvl="3"/>
-            <a:r>
-              <a:rPr lang="en-US" sz="1200" kern="1200" dirty="0" smtClean="0">
-                <a:solidFill>
-                  <a:schemeClr val="tx1"/>
-                </a:solidFill>
-                <a:latin typeface="+mn-lt"/>
-                <a:ea typeface="+mn-ea"/>
-                <a:cs typeface="+mn-cs"/>
-              </a:rPr>
-              <a:t>            //Assert</a:t>
-            </a:r>
-          </a:p>
-          <a:p>
-            <a:pPr lvl="3"/>
-            <a:r>
-              <a:rPr lang="en-US" sz="1200" kern="1200" dirty="0" smtClean="0">
-                <a:solidFill>
-                  <a:schemeClr val="tx1"/>
-                </a:solidFill>
-                <a:latin typeface="+mn-lt"/>
-                <a:ea typeface="+mn-ea"/>
-                <a:cs typeface="+mn-cs"/>
-              </a:rPr>
-              <a:t>            </a:t>
-            </a:r>
-            <a:r>
-              <a:rPr lang="en-US" sz="1200" kern="1200" dirty="0" err="1" smtClean="0">
-                <a:solidFill>
-                  <a:schemeClr val="tx1"/>
-                </a:solidFill>
-                <a:latin typeface="+mn-lt"/>
-                <a:ea typeface="+mn-ea"/>
-                <a:cs typeface="+mn-cs"/>
-              </a:rPr>
-              <a:t>Assert.IsInstanceOfType</a:t>
-            </a:r>
-            <a:r>
-              <a:rPr lang="en-US" sz="1200" kern="1200" dirty="0" smtClean="0">
-                <a:solidFill>
-                  <a:schemeClr val="tx1"/>
-                </a:solidFill>
-                <a:latin typeface="+mn-lt"/>
-                <a:ea typeface="+mn-ea"/>
-                <a:cs typeface="+mn-cs"/>
-              </a:rPr>
-              <a:t>(result, </a:t>
-            </a:r>
-            <a:r>
-              <a:rPr lang="en-US" sz="1200" kern="1200" dirty="0" err="1" smtClean="0">
-                <a:solidFill>
-                  <a:schemeClr val="tx1"/>
-                </a:solidFill>
-                <a:latin typeface="+mn-lt"/>
-                <a:ea typeface="+mn-ea"/>
-                <a:cs typeface="+mn-cs"/>
-              </a:rPr>
-              <a:t>typeof</a:t>
-            </a:r>
-            <a:r>
-              <a:rPr lang="en-US" sz="1200" kern="1200" dirty="0" smtClean="0">
-                <a:solidFill>
-                  <a:schemeClr val="tx1"/>
-                </a:solidFill>
-                <a:latin typeface="+mn-lt"/>
-                <a:ea typeface="+mn-ea"/>
-                <a:cs typeface="+mn-cs"/>
-              </a:rPr>
-              <a:t> (decimal));</a:t>
-            </a:r>
-          </a:p>
-          <a:p>
-            <a:pPr lvl="3"/>
-            <a:r>
-              <a:rPr lang="en-US" sz="1200" kern="1200" dirty="0" smtClean="0">
-                <a:solidFill>
-                  <a:schemeClr val="tx1"/>
-                </a:solidFill>
-                <a:latin typeface="+mn-lt"/>
-                <a:ea typeface="+mn-ea"/>
-                <a:cs typeface="+mn-cs"/>
-              </a:rPr>
-              <a:t>        }</a:t>
-            </a:r>
-          </a:p>
-          <a:p>
-            <a:pPr lvl="3"/>
+            <a:r>
+              <a:rPr lang="en-US" sz="1400" b="1" dirty="0" smtClean="0"/>
+              <a:t>tdd1</a:t>
+            </a:r>
             <a:endParaRPr lang="en-US" sz="2400" dirty="0" smtClean="0"/>
           </a:p>
           <a:p>
@@ -3860,7 +3534,11 @@
             </a:pPr>
             <a:r>
               <a:rPr lang="en-US" sz="1400" dirty="0" smtClean="0"/>
-              <a:t>Run it – it fails because we don’t have the</a:t>
+              <a:t>Run </a:t>
+            </a:r>
+            <a:r>
+              <a:rPr lang="en-US" sz="1400" dirty="0" smtClean="0"/>
+              <a:t>it – it fails because we don’t have the</a:t>
             </a:r>
             <a:r>
               <a:rPr lang="en-US" sz="1400" baseline="0" dirty="0" smtClean="0"/>
@@ -3931,7 +3609,11 @@
             </a:pPr>
             <a:r>
               <a:rPr lang="en-US" sz="1400" dirty="0" smtClean="0"/>
-              <a:t>Install Should</a:t>
+              <a:t>Install </a:t>
+            </a:r>
+            <a:r>
+              <a:rPr lang="en-US" sz="1400" b="1" dirty="0" smtClean="0"/>
+              <a:t>Should</a:t>
             </a:r>
           </a:p>
           <a:p>
@@ -3966,7 +3648,15 @@
             </a:pPr>
             <a:r>
               <a:rPr lang="en-US" sz="1400" dirty="0" smtClean="0"/>
-              <a:t>Write test to use Should...explain Should</a:t>
+              <a:t>Write test to use </a:t>
+            </a:r>
+            <a:r>
+              <a:rPr lang="en-US" sz="1400" dirty="0" smtClean="0"/>
+              <a:t>Should...</a:t>
+            </a:r>
+            <a:r>
+              <a:rPr lang="en-US" sz="1400" dirty="0" smtClean="0"/>
+              <a:t>explain Should</a:t>
             </a:r>
           </a:p>
           <a:p>
@@ -3975,7 +3665,7 @@
               <a:buChar char="•"/>
             </a:pPr>
             <a:r>
-              <a:rPr lang="en-US" sz="1400" dirty="0" smtClean="0"/>
+              <a:rPr lang="en-US" sz="1400" b="1" dirty="0" smtClean="0"/>
               <a:t>Refactor</a:t>
             </a:r>
           </a:p>
@@ -3985,6 +3675,16 @@
               <a:buChar char="•"/>
             </a:pPr>
             <a:r>
+              <a:rPr lang="en-US" sz="1400" b="1" dirty="0" smtClean="0"/>
+              <a:t>tdd2</a:t>
+            </a:r>
+          </a:p>
+          <a:p>
+            <a:pPr marL="1657350" lvl="3" indent="-285750" algn="l">
+              <a:buFont typeface="Arial" pitchFamily="34" charset="0"/>
+              <a:buChar char="•"/>
+            </a:pPr>
+            <a:r>
               <a:rPr lang="en-US" sz="1400" dirty="0" smtClean="0"/>
               <a:t>Declare decimal </a:t>
             </a:r>
@@ -3996,6 +3696,74 @@
               <a:rPr lang="en-US" sz="1400" dirty="0" smtClean="0"/>
               <a:t> and return it</a:t>
             </a:r>
+          </a:p>
+          <a:p>
+            <a:pPr marL="1657350" lvl="3" indent="-285750" algn="l">
+              <a:buFont typeface="Arial" pitchFamily="34" charset="0"/>
+              <a:buChar char="•"/>
+            </a:pPr>
+            <a:endParaRPr lang="en-US" sz="1400" dirty="0" smtClean="0"/>
+          </a:p>
+          <a:p>
+            <a:pPr marL="1200150" lvl="2" indent="-285750" algn="l">
+              <a:buFont typeface="Arial" pitchFamily="34" charset="0"/>
+              <a:buChar char="•"/>
+            </a:pPr>
+            <a:r>
+              <a:rPr lang="en-US" sz="1400" dirty="0" smtClean="0"/>
+              <a:t>Next part</a:t>
+            </a:r>
+            <a:r>
+              <a:rPr lang="en-US" sz="1400" baseline="0" dirty="0" smtClean="0"/>
+              <a:t> of requirement</a:t>
+            </a:r>
+          </a:p>
+          <a:p>
+            <a:pPr marL="1657350" lvl="3" indent="-285750" algn="l">
+              <a:buFont typeface="Arial" pitchFamily="34" charset="0"/>
+              <a:buChar char="•"/>
+            </a:pPr>
+            <a:r>
+              <a:rPr lang="en-US" sz="1400" baseline="0" dirty="0" smtClean="0"/>
+              <a:t>Return product of first and second input parameter</a:t>
+            </a:r>
+          </a:p>
+          <a:p>
+            <a:pPr marL="1657350" lvl="3" indent="-285750" algn="l">
+              <a:buFont typeface="Arial" pitchFamily="34" charset="0"/>
+              <a:buChar char="•"/>
+            </a:pPr>
+            <a:r>
+              <a:rPr lang="en-US" sz="1400" b="1" baseline="0" dirty="0" smtClean="0"/>
+              <a:t>tdd3 </a:t>
+            </a:r>
+            <a:r>
+              <a:rPr lang="en-US" sz="1400" b="0" baseline="0" dirty="0" smtClean="0"/>
+              <a:t>– discuss</a:t>
+            </a:r>
+          </a:p>
+          <a:p>
+            <a:pPr marL="1657350" lvl="3" indent="-285750" algn="l">
+              <a:buFont typeface="Arial" pitchFamily="34" charset="0"/>
+              <a:buChar char="•"/>
+            </a:pPr>
+            <a:r>
+              <a:rPr lang="en-US" sz="1400" b="0" baseline="0" dirty="0" smtClean="0"/>
+              <a:t>Update Add method </a:t>
+            </a:r>
+            <a:r>
+              <a:rPr lang="en-US" sz="1400" b="1" baseline="0" dirty="0" smtClean="0"/>
+              <a:t>decimal </a:t>
+            </a:r>
+            <a:r>
+              <a:rPr lang="en-US" sz="1400" b="1" baseline="0" dirty="0" err="1" smtClean="0"/>
+              <a:t>returnValue</a:t>
+            </a:r>
+            <a:r>
+              <a:rPr lang="en-US" sz="1400" b="1" baseline="0" dirty="0" smtClean="0"/>
+              <a:t> = value1 + value2;</a:t>
+            </a:r>
+            <a:endParaRPr lang="en-US" sz="1400" b="1" dirty="0" smtClean="0"/>
           </a:p>
           <a:p>
             <a:pPr eaLnBrk="1" hangingPunct="1">
@@ -4500,7 +4268,7 @@
               <a:buChar char="•"/>
             </a:pPr>
             <a:r>
-              <a:rPr lang="en-US" dirty="0" smtClean="0"/>
+              <a:rPr lang="en-US" sz="2800" dirty="0" smtClean="0"/>
               <a:t>Look at the new requirement for validation</a:t>
             </a:r>
           </a:p>
@@ -4510,10 +4278,10 @@
               <a:buChar char="•"/>
             </a:pPr>
             <a:r>
-              <a:rPr lang="en-US" baseline="0" dirty="0" smtClean="0"/>
+              <a:rPr lang="en-US" sz="2800" baseline="0" dirty="0" smtClean="0"/>
               <a:t>Show</a:t>
             </a:r>
-            <a:endParaRPr lang="en-US" dirty="0" smtClean="0"/>
+            <a:endParaRPr lang="en-US" sz="2800" dirty="0" smtClean="0"/>
           </a:p>
           <a:p>
             <a:pPr marL="1200150" lvl="2" indent="-285750" algn="l">
@@ -4521,18 +4289,18 @@
               <a:buChar char="•"/>
             </a:pPr>
             <a:r>
-              <a:rPr lang="en-US" dirty="0" err="1" smtClean="0"/>
+              <a:rPr lang="en-US" sz="2800" dirty="0" err="1" smtClean="0"/>
               <a:t>IValidationService</a:t>
             </a:r>
             <a:r>
-              <a:rPr lang="en-US" dirty="0" smtClean="0"/>
+              <a:rPr lang="en-US" sz="2800" dirty="0" smtClean="0"/>
               <a:t>…this satisfies</a:t>
             </a:r>
             <a:r>
-              <a:rPr lang="en-US" baseline="0" dirty="0" smtClean="0"/>
+              <a:rPr lang="en-US" sz="2800" baseline="0" dirty="0" smtClean="0"/>
               <a:t> the contract defined in the spec</a:t>
             </a:r>
-            <a:endParaRPr lang="en-US" dirty="0" smtClean="0"/>
+            <a:endParaRPr lang="en-US" sz="2800" dirty="0" smtClean="0"/>
           </a:p>
           <a:p>
             <a:pPr marL="1200150" lvl="2" indent="-285750" algn="l">
@@ -4540,10 +4308,10 @@
               <a:buChar char="•"/>
             </a:pPr>
             <a:r>
-              <a:rPr lang="en-US" dirty="0" err="1" smtClean="0"/>
+              <a:rPr lang="en-US" sz="2800" dirty="0" err="1" smtClean="0"/>
               <a:t>ValidationService</a:t>
             </a:r>
-            <a:endParaRPr lang="en-US" dirty="0" smtClean="0"/>
+            <a:endParaRPr lang="en-US" sz="2800" dirty="0" smtClean="0"/>
           </a:p>
           <a:p>
             <a:pPr marL="742950" lvl="1" indent="-285750" algn="l">
@@ -4551,7 +4319,18 @@
               <a:buChar char="•"/>
             </a:pPr>
             <a:r>
-              <a:rPr lang="en-US" dirty="0" smtClean="0"/>
+              <a:rPr lang="en-US" sz="2800" b="1" dirty="0" smtClean="0"/>
+              <a:t>Back to Add Method</a:t>
+            </a:r>
+            <a:endParaRPr lang="en-US" sz="2800" b="1" baseline="0" dirty="0" smtClean="0"/>
+          </a:p>
+          <a:p>
+            <a:pPr marL="742950" lvl="1" indent="-285750" algn="l">
+              <a:buFont typeface="Arial" pitchFamily="34" charset="0"/>
+              <a:buChar char="•"/>
+            </a:pPr>
+            <a:r>
+              <a:rPr lang="en-US" sz="2800" dirty="0" smtClean="0"/>
               <a:t>Start with Property Injection</a:t>
             </a:r>
           </a:p>
@@ -4561,8 +4340,16 @@
               <a:buChar char="•"/>
             </a:pPr>
             <a:r>
-              <a:rPr lang="en-US" dirty="0" smtClean="0"/>
-              <a:t>What is the issue?</a:t>
+              <a:rPr lang="en-US" sz="2800" dirty="0" smtClean="0"/>
+              <a:t>Create Property</a:t>
+            </a:r>
+            <a:r>
+              <a:rPr lang="en-US" sz="2800" baseline="0" dirty="0" smtClean="0"/>
+              <a:t>: </a:t>
+            </a:r>
+            <a:r>
+              <a:rPr lang="en-US" sz="2800" b="1" baseline="0" dirty="0" smtClean="0"/>
+              <a:t>tdd4</a:t>
             </a:r>
           </a:p>
           <a:p>
@@ -4571,9 +4358,14 @@
               <a:buChar char="•"/>
             </a:pPr>
             <a:r>
-              <a:rPr lang="en-US" dirty="0" smtClean="0"/>
-              <a:t>Have to add code to make sure the dependency’s are set to avoid NULL reference exceptions</a:t>
-            </a:r>
+              <a:rPr lang="en-US" sz="2800" b="0" baseline="0" dirty="0" smtClean="0"/>
+              <a:t>Update Add: </a:t>
+            </a:r>
+            <a:r>
+              <a:rPr lang="en-US" sz="2800" b="1" baseline="0" dirty="0" smtClean="0"/>
+              <a:t>select contents of add and ---- tdd5</a:t>
+            </a:r>
+            <a:endParaRPr lang="en-US" sz="2800" b="0" dirty="0" smtClean="0"/>
           </a:p>
           <a:p>
             <a:pPr marL="1200150" lvl="2" indent="-285750" algn="l">
@@ -4581,7 +4373,27 @@
               <a:buChar char="•"/>
             </a:pPr>
             <a:r>
-              <a:rPr lang="en-US" dirty="0" smtClean="0"/>
+              <a:rPr lang="en-US" sz="2800" dirty="0" smtClean="0"/>
+              <a:t>What is the issue?</a:t>
+            </a:r>
+          </a:p>
+          <a:p>
+            <a:pPr marL="1200150" lvl="2" indent="-285750" algn="l">
+              <a:buFont typeface="Arial" pitchFamily="34" charset="0"/>
+              <a:buChar char="•"/>
+            </a:pPr>
+            <a:r>
+              <a:rPr lang="en-US" sz="2800" dirty="0" smtClean="0"/>
+              <a:t>Have to add code to make sure the dependency’s are set to avoid NULL reference exceptions</a:t>
+            </a:r>
+          </a:p>
+          <a:p>
+            <a:pPr marL="1200150" lvl="2" indent="-285750" algn="l">
+              <a:buFont typeface="Arial" pitchFamily="34" charset="0"/>
+              <a:buChar char="•"/>
+            </a:pPr>
+            <a:r>
+              <a:rPr lang="en-US" sz="2800" dirty="0" smtClean="0"/>
               <a:t>We can fix this with Constructor Injection</a:t>
             </a:r>
           </a:p>
@@ -4591,7 +4403,7 @@
               <a:buChar char="•"/>
             </a:pPr>
             <a:r>
-              <a:rPr lang="en-US" dirty="0" smtClean="0"/>
+              <a:rPr lang="en-US" sz="2800" dirty="0" smtClean="0"/>
               <a:t>Next Do Constructor Injection</a:t>
             </a:r>
           </a:p>
@@ -4601,25 +4413,18 @@
               <a:buChar char="•"/>
             </a:pPr>
             <a:r>
-              <a:rPr lang="en-US" dirty="0" smtClean="0"/>
-              <a:t>Hold down </a:t>
-            </a:r>
-            <a:r>
-              <a:rPr lang="en-US" dirty="0" err="1" smtClean="0"/>
-              <a:t>fn</a:t>
-            </a:r>
-            <a:r>
-              <a:rPr lang="en-US" dirty="0" smtClean="0"/>
-              <a:t> and alt and hit enter for </a:t>
-            </a:r>
-            <a:r>
-              <a:rPr lang="en-US" dirty="0" err="1" smtClean="0"/>
-              <a:t>resharper</a:t>
-            </a:r>
-            <a:r>
-              <a:rPr lang="en-US" dirty="0" smtClean="0"/>
-              <a:t> constructor</a:t>
-            </a:r>
+              <a:rPr lang="en-US" sz="2800" dirty="0" smtClean="0"/>
+              <a:t>Select</a:t>
+            </a:r>
+            <a:r>
+              <a:rPr lang="en-US" sz="2800" baseline="0" dirty="0" smtClean="0"/>
+              <a:t> property and : </a:t>
+            </a:r>
+            <a:r>
+              <a:rPr lang="en-US" sz="2800" b="1" baseline="0" dirty="0" smtClean="0"/>
+              <a:t>tdd6</a:t>
+            </a:r>
+            <a:endParaRPr lang="en-US" sz="2800" dirty="0" smtClean="0"/>
           </a:p>
           <a:p>
             <a:pPr marL="1200150" lvl="2" indent="-285750" algn="l">
@@ -4627,7 +4432,7 @@
               <a:buChar char="•"/>
             </a:pPr>
             <a:r>
-              <a:rPr lang="en-US" dirty="0" smtClean="0"/>
+              <a:rPr lang="en-US" sz="2800" dirty="0" smtClean="0"/>
               <a:t>What could be the issue (constructor that takes a bunch of parameters)</a:t>
             </a:r>
           </a:p>
@@ -4637,7 +4442,7 @@
               <a:buChar char="•"/>
             </a:pPr>
             <a:r>
-              <a:rPr lang="en-US" dirty="0" smtClean="0"/>
+              <a:rPr lang="en-US" sz="2800" dirty="0" smtClean="0"/>
               <a:t>What’s the issue here? </a:t>
             </a:r>
           </a:p>
@@ -4647,7 +4452,7 @@
               <a:buChar char="•"/>
             </a:pPr>
             <a:r>
-              <a:rPr lang="en-US" dirty="0" smtClean="0"/>
+              <a:rPr lang="en-US" sz="2800" dirty="0" smtClean="0"/>
               <a:t>What happens when you have a bunch of dependency's?</a:t>
             </a:r>
           </a:p>
@@ -4657,15 +4462,15 @@
               <a:buChar char="•"/>
             </a:pPr>
             <a:r>
-              <a:rPr lang="en-US" dirty="0" smtClean="0"/>
+              <a:rPr lang="en-US" sz="2800" dirty="0" smtClean="0"/>
               <a:t>We’ll get to using </a:t>
             </a:r>
             <a:r>
-              <a:rPr lang="en-US" dirty="0" err="1" smtClean="0"/>
+              <a:rPr lang="en-US" sz="2800" dirty="0" err="1" smtClean="0"/>
               <a:t>IoC</a:t>
             </a:r>
             <a:r>
-              <a:rPr lang="en-US" dirty="0" smtClean="0"/>
+              <a:rPr lang="en-US" sz="2800" dirty="0" smtClean="0"/>
               <a:t> framework to fix all this</a:t>
             </a:r>
           </a:p>
@@ -4674,7 +4479,7 @@
               <a:buFont typeface="Arial" pitchFamily="34" charset="0"/>
               <a:buChar char="•"/>
             </a:pPr>
-            <a:endParaRPr lang="en-US" dirty="0" smtClean="0"/>
+            <a:endParaRPr lang="en-US" sz="2800" dirty="0" smtClean="0"/>
           </a:p>
           <a:p>
             <a:pPr marL="742950" lvl="1" indent="-285750" algn="l">
@@ -4682,11 +4487,11 @@
               <a:buChar char="•"/>
             </a:pPr>
             <a:r>
-              <a:rPr lang="en-US" dirty="0" smtClean="0"/>
+              <a:rPr lang="en-US" sz="2800" dirty="0" smtClean="0"/>
               <a:t>Let’s build this…and we should</a:t>
             </a:r>
             <a:r>
-              <a:rPr lang="en-US" baseline="0" dirty="0" smtClean="0"/>
+              <a:rPr lang="en-US" sz="2800" baseline="0" dirty="0" smtClean="0"/>
               <a:t> have a build error…can anyone tell me where?</a:t>
             </a:r>
           </a:p>
@@ -4696,17 +4501,126 @@
               <a:buChar char="•"/>
             </a:pPr>
             <a:r>
-              <a:rPr lang="en-US" baseline="0" dirty="0" smtClean="0"/>
+              <a:rPr lang="en-US" sz="2800" baseline="0" dirty="0" smtClean="0"/>
               <a:t>Fix build error</a:t>
             </a:r>
-            <a:endParaRPr lang="en-US" dirty="0" smtClean="0"/>
+          </a:p>
+          <a:p>
+            <a:pPr marL="1200150" lvl="2" indent="-285750" algn="l">
+              <a:buFont typeface="Arial" pitchFamily="34" charset="0"/>
+              <a:buChar char="•"/>
+            </a:pPr>
+            <a:r>
+              <a:rPr lang="en-US" sz="2800" baseline="0" dirty="0" smtClean="0"/>
+              <a:t>You’ll notice me changing that one piece code broke two tests and in order fix them I have to make the exact same change in both places</a:t>
+            </a:r>
+          </a:p>
+          <a:p>
+            <a:pPr marL="1200150" lvl="2" indent="-285750" algn="l">
+              <a:buFont typeface="Arial" pitchFamily="34" charset="0"/>
+              <a:buChar char="•"/>
+            </a:pPr>
+            <a:r>
+              <a:rPr lang="en-US" sz="2800" baseline="0" dirty="0" smtClean="0"/>
+              <a:t>Seems like a good place to </a:t>
+            </a:r>
+            <a:r>
+              <a:rPr lang="en-US" sz="2800" b="1" baseline="0" dirty="0" smtClean="0"/>
+              <a:t>refactor and make things DRY ---- Just because you are writing test code doesn’t mean it shouldn’t high quality code</a:t>
+            </a:r>
+          </a:p>
+          <a:p>
+            <a:pPr marL="1200150" lvl="2" indent="-285750" algn="l">
+              <a:buFont typeface="Arial" pitchFamily="34" charset="0"/>
+              <a:buChar char="•"/>
+            </a:pPr>
+            <a:r>
+              <a:rPr lang="en-US" sz="2800" b="1" baseline="0" dirty="0" smtClean="0"/>
+              <a:t>tdd7 </a:t>
+            </a:r>
+            <a:r>
+              <a:rPr lang="en-US" sz="2800" b="0" baseline="0" dirty="0" smtClean="0"/>
+              <a:t>above tests</a:t>
+            </a:r>
+          </a:p>
+          <a:p>
+            <a:pPr marL="1200150" lvl="2" indent="-285750" algn="l">
+              <a:buFont typeface="Arial" pitchFamily="34" charset="0"/>
+              <a:buChar char="•"/>
+            </a:pPr>
+            <a:r>
+              <a:rPr lang="en-US" sz="2800" b="0" baseline="0" dirty="0" smtClean="0"/>
+              <a:t>Update tests to use the new </a:t>
+            </a:r>
+            <a:r>
+              <a:rPr lang="en-US" sz="2800" b="1" baseline="0" dirty="0" smtClean="0"/>
+              <a:t>_service</a:t>
+            </a:r>
+          </a:p>
+          <a:p>
+            <a:pPr marL="1200150" lvl="2" indent="-285750" algn="l">
+              <a:buFont typeface="Arial" pitchFamily="34" charset="0"/>
+              <a:buChar char="•"/>
+            </a:pPr>
+            <a:r>
+              <a:rPr lang="en-US" sz="2800" b="0" baseline="0" dirty="0" smtClean="0"/>
+              <a:t>Inside </a:t>
+            </a:r>
+            <a:r>
+              <a:rPr lang="en-US" sz="2800" b="0" baseline="0" dirty="0" err="1" smtClean="0"/>
+              <a:t>TestInitialize</a:t>
+            </a:r>
+            <a:r>
+              <a:rPr lang="en-US" sz="2800" b="0" baseline="0" dirty="0" smtClean="0"/>
+              <a:t>, first line - </a:t>
+            </a:r>
+            <a:r>
+              <a:rPr lang="en-US" sz="2800" b="1" baseline="0" dirty="0" smtClean="0"/>
+              <a:t>tdd9</a:t>
+            </a:r>
+            <a:r>
+              <a:rPr lang="en-US" sz="2800" b="0" baseline="0" dirty="0" smtClean="0"/>
+              <a:t> </a:t>
+            </a:r>
+          </a:p>
+          <a:p>
+            <a:pPr marL="1200150" lvl="2" indent="-285750" algn="l">
+              <a:buFont typeface="Arial" pitchFamily="34" charset="0"/>
+              <a:buChar char="•"/>
+            </a:pPr>
+            <a:r>
+              <a:rPr lang="en-US" sz="2800" b="0" baseline="0" dirty="0" smtClean="0"/>
+              <a:t>Update _service declaration to pass _</a:t>
+            </a:r>
+            <a:r>
+              <a:rPr lang="en-US" sz="2800" b="0" baseline="0" dirty="0" err="1" smtClean="0"/>
+              <a:t>validationService</a:t>
+            </a:r>
+            <a:r>
+              <a:rPr lang="en-US" sz="2800" b="0" baseline="0" dirty="0" smtClean="0"/>
+              <a:t> in constructor</a:t>
+            </a:r>
+          </a:p>
+          <a:p>
+            <a:pPr marL="1200150" lvl="2" indent="-285750" algn="l">
+              <a:buFont typeface="Arial" pitchFamily="34" charset="0"/>
+              <a:buChar char="•"/>
+            </a:pPr>
+            <a:endParaRPr lang="en-US" sz="2800" b="0" baseline="0" dirty="0" smtClean="0"/>
+          </a:p>
+          <a:p>
+            <a:pPr marL="914400" lvl="2" indent="0" algn="l">
+              <a:buFont typeface="Arial" pitchFamily="34" charset="0"/>
+              <a:buNone/>
+            </a:pPr>
+            <a:endParaRPr lang="en-US" sz="2800" b="1" dirty="0" smtClean="0"/>
           </a:p>
           <a:p>
             <a:pPr marL="742950" lvl="1" indent="-285750" algn="l">
               <a:buFont typeface="Arial" pitchFamily="34" charset="0"/>
               <a:buChar char="•"/>
             </a:pPr>
-            <a:endParaRPr lang="en-US" dirty="0" smtClean="0"/>
+            <a:endParaRPr lang="en-US" sz="2800" dirty="0" smtClean="0"/>
           </a:p>
           <a:p>
             <a:pPr marL="742950" lvl="1" indent="-285750" algn="l">
@@ -4714,19 +4628,19 @@
               <a:buChar char="•"/>
             </a:pPr>
             <a:r>
-              <a:rPr lang="en-US" dirty="0" smtClean="0"/>
+              <a:rPr lang="en-US" sz="2800" dirty="0" smtClean="0"/>
               <a:t>So for</a:t>
             </a:r>
             <a:r>
-              <a:rPr lang="en-US" baseline="0" dirty="0" smtClean="0"/>
+              <a:rPr lang="en-US" sz="2800" baseline="0" dirty="0" smtClean="0"/>
               <a:t> now let’s be good little </a:t>
             </a:r>
             <a:r>
-              <a:rPr lang="en-US" baseline="0" dirty="0" err="1" smtClean="0"/>
+              <a:rPr lang="en-US" sz="2800" baseline="0" dirty="0" err="1" smtClean="0"/>
               <a:t>TDD’rs</a:t>
             </a:r>
             <a:r>
-              <a:rPr lang="en-US" baseline="0" dirty="0" smtClean="0"/>
+              <a:rPr lang="en-US" sz="2800" baseline="0" dirty="0" smtClean="0"/>
               <a:t> and run our tests to make sure we didn’t break anything</a:t>
             </a:r>
           </a:p>
@@ -4735,7 +4649,7 @@
               <a:buFont typeface="Arial" pitchFamily="34" charset="0"/>
               <a:buChar char="•"/>
             </a:pPr>
-            <a:endParaRPr lang="en-US" baseline="0" dirty="0" smtClean="0"/>
+            <a:endParaRPr lang="en-US" sz="2800" baseline="0" dirty="0" smtClean="0"/>
           </a:p>
           <a:p>
             <a:pPr marL="1200150" lvl="2" indent="-285750" algn="l">
@@ -4743,15 +4657,15 @@
               <a:buChar char="•"/>
             </a:pPr>
             <a:r>
-              <a:rPr lang="en-US" baseline="0" dirty="0" smtClean="0"/>
+              <a:rPr lang="en-US" sz="2800" baseline="0" dirty="0" smtClean="0"/>
               <a:t>WTF!?!  The validation service is </a:t>
             </a:r>
             <a:r>
-              <a:rPr lang="en-US" baseline="0" dirty="0" err="1" smtClean="0"/>
+              <a:rPr lang="en-US" sz="2800" baseline="0" dirty="0" err="1" smtClean="0"/>
               <a:t>erroring</a:t>
             </a:r>
             <a:r>
-              <a:rPr lang="en-US" baseline="0" dirty="0" smtClean="0"/>
+              <a:rPr lang="en-US" sz="2800" baseline="0" dirty="0" smtClean="0"/>
               <a:t> out.</a:t>
             </a:r>
           </a:p>
@@ -4761,7 +4675,7 @@
               <a:buChar char="•"/>
             </a:pPr>
             <a:r>
-              <a:rPr lang="en-US" baseline="0" dirty="0" smtClean="0"/>
+              <a:rPr lang="en-US" sz="2800" baseline="0" dirty="0" smtClean="0"/>
               <a:t>In our little self-contained scenario here it is because it I didn’t implement it…but ignore that for now</a:t>
             </a:r>
           </a:p>
@@ -4771,7 +4685,7 @@
               <a:buChar char="•"/>
             </a:pPr>
             <a:r>
-              <a:rPr lang="en-US" baseline="0" dirty="0" smtClean="0"/>
+              <a:rPr lang="en-US" sz="2800" baseline="0" dirty="0" smtClean="0"/>
               <a:t>Consider this one of those situations that I am sure you have all dealt with on many occasions…</a:t>
             </a:r>
           </a:p>
@@ -4781,7 +4695,7 @@
               <a:buChar char="•"/>
             </a:pPr>
             <a:r>
-              <a:rPr lang="en-US" baseline="0" dirty="0" smtClean="0"/>
+              <a:rPr lang="en-US" sz="2800" baseline="0" dirty="0" smtClean="0"/>
               <a:t>Some developer or team is responsible for coding something you are dependent on and they either</a:t>
             </a:r>
           </a:p>
@@ -4791,7 +4705,7 @@
               <a:buChar char="•"/>
             </a:pPr>
             <a:r>
-              <a:rPr lang="en-US" baseline="0" dirty="0" smtClean="0"/>
+              <a:rPr lang="en-US" sz="2800" baseline="0" dirty="0" smtClean="0"/>
               <a:t>Haven’t gotten around to it yet</a:t>
             </a:r>
           </a:p>
@@ -4801,7 +4715,7 @@
               <a:buChar char="•"/>
             </a:pPr>
             <a:r>
-              <a:rPr lang="en-US" baseline="0" dirty="0" smtClean="0"/>
+              <a:rPr lang="en-US" sz="2800" baseline="0" dirty="0" smtClean="0"/>
               <a:t>Or have errors in their code</a:t>
             </a:r>
           </a:p>
@@ -4811,7 +4725,7 @@
               <a:buChar char="•"/>
             </a:pPr>
             <a:r>
-              <a:rPr lang="en-US" baseline="0" dirty="0" smtClean="0"/>
+              <a:rPr lang="en-US" sz="2800" baseline="0" dirty="0" smtClean="0"/>
               <a:t>Guess we can call it a day ;)</a:t>
             </a:r>
           </a:p>
@@ -4821,7 +4735,7 @@
               <a:buChar char="•"/>
             </a:pPr>
             <a:r>
-              <a:rPr lang="en-US" baseline="0" dirty="0" smtClean="0"/>
+              <a:rPr lang="en-US" sz="2800" baseline="0" dirty="0" smtClean="0"/>
               <a:t>That is unless you are fluent on TDD and it’s core concepts.</a:t>
             </a:r>
           </a:p>
@@ -4831,7 +4745,7 @@
               <a:buChar char="•"/>
             </a:pPr>
             <a:r>
-              <a:rPr lang="en-US" baseline="0" dirty="0" smtClean="0"/>
+              <a:rPr lang="en-US" sz="2800" baseline="0" dirty="0" smtClean="0"/>
               <a:t>If you have need to sell TDD to your pointy haired bosses this is the perfect angle</a:t>
             </a:r>
           </a:p>
@@ -4841,7 +4755,7 @@
               <a:buChar char="•"/>
             </a:pPr>
             <a:r>
-              <a:rPr lang="en-US" baseline="0" dirty="0" smtClean="0"/>
+              <a:rPr lang="en-US" sz="2800" baseline="0" dirty="0" smtClean="0"/>
               <a:t>You will now be able to continue coding when external dependencies are not complete or broken or what ever</a:t>
             </a:r>
           </a:p>
@@ -4851,17 +4765,17 @@
               <a:buChar char="•"/>
             </a:pPr>
             <a:r>
-              <a:rPr lang="en-US" baseline="0" dirty="0" smtClean="0"/>
+              <a:rPr lang="en-US" sz="2800" baseline="0" dirty="0" smtClean="0"/>
               <a:t>Let’s talk about how we can do this…</a:t>
             </a:r>
-            <a:endParaRPr lang="en-US" dirty="0" smtClean="0"/>
+            <a:endParaRPr lang="en-US" sz="2800" dirty="0" smtClean="0"/>
           </a:p>
           <a:p>
             <a:pPr marL="742950" lvl="1" indent="-285750" algn="l">
               <a:buFont typeface="Arial" pitchFamily="34" charset="0"/>
               <a:buChar char="•"/>
             </a:pPr>
-            <a:endParaRPr lang="en-US" dirty="0" smtClean="0"/>
+            <a:endParaRPr lang="en-US" sz="2800" dirty="0" smtClean="0"/>
           </a:p>
           <a:p>
             <a:pPr eaLnBrk="1" hangingPunct="1">
@@ -4869,7 +4783,7 @@
                 <a:spcPct val="0"/>
               </a:spcBef>
             </a:pPr>
-            <a:endParaRPr lang="en-US" dirty="0" smtClean="0"/>
+            <a:endParaRPr lang="en-US" sz="2800" dirty="0" smtClean="0"/>
           </a:p>
         </p:txBody>
       </p:sp>
@@ -5040,9 +4954,14 @@
               <a:buChar char="•"/>
             </a:pPr>
             <a:r>
-              <a:rPr lang="en-US" dirty="0" smtClean="0"/>
-              <a:t>Create Fakes folder in unit test project</a:t>
-            </a:r>
+              <a:rPr lang="en-US" b="0" u="none" dirty="0" smtClean="0"/>
+              <a:t>Select</a:t>
+            </a:r>
+            <a:r>
+              <a:rPr lang="en-US" b="0" u="none" baseline="0" dirty="0" smtClean="0"/>
+              <a:t> Fakes folder and “Shift-Alt-C”</a:t>
+            </a:r>
+            <a:endParaRPr lang="en-US" b="0" u="none" dirty="0" smtClean="0"/>
           </a:p>
           <a:p>
             <a:pPr marL="1200150" lvl="2" indent="-285750" algn="l">
@@ -5059,7 +4978,11 @@
             </a:r>
             <a:r>
               <a:rPr lang="en-US" dirty="0" smtClean="0"/>
-              <a:t>’</a:t>
+              <a:t>’ </a:t>
+            </a:r>
+            <a:r>
+              <a:rPr lang="en-US" b="1" dirty="0" smtClean="0"/>
+              <a:t>In Fakes Folder</a:t>
             </a:r>
           </a:p>
           <a:p>
@@ -5068,14 +4991,13 @@
               <a:buChar char="•"/>
             </a:pPr>
             <a:r>
-              <a:rPr lang="en-US" dirty="0" smtClean="0"/>
-              <a:t>Implement </a:t>
-            </a:r>
-            <a:r>
-              <a:rPr lang="en-US" dirty="0" err="1" smtClean="0"/>
-              <a:t>IValidationService</a:t>
-            </a:r>
-            <a:endParaRPr lang="en-US" dirty="0" smtClean="0"/>
+              <a:rPr lang="en-US" b="1" dirty="0" smtClean="0"/>
+              <a:t>Clean</a:t>
+            </a:r>
+            <a:r>
+              <a:rPr lang="en-US" b="1" baseline="0" dirty="0" smtClean="0"/>
+              <a:t> Up</a:t>
+            </a:r>
           </a:p>
           <a:p>
             <a:pPr marL="1657350" lvl="3" indent="-285750" algn="l">
@@ -5083,6 +5005,32 @@
               <a:buChar char="•"/>
             </a:pPr>
             <a:r>
+              <a:rPr lang="en-US" b="1" baseline="0" dirty="0" smtClean="0"/>
+              <a:t>Make Public</a:t>
+            </a:r>
+            <a:endParaRPr lang="en-US" dirty="0" smtClean="0"/>
+          </a:p>
+          <a:p>
+            <a:pPr marL="1657350" lvl="3" indent="-285750" algn="l">
+              <a:buFont typeface="Arial" pitchFamily="34" charset="0"/>
+              <a:buChar char="•"/>
+            </a:pPr>
+            <a:r>
+              <a:rPr lang="en-US" dirty="0" smtClean="0"/>
+              <a:t>Implement </a:t>
+            </a:r>
+            <a:r>
+              <a:rPr lang="en-US" dirty="0" err="1" smtClean="0"/>
+              <a:t>IValidationService</a:t>
+            </a:r>
+            <a:endParaRPr lang="en-US" dirty="0" smtClean="0"/>
+          </a:p>
+          <a:p>
+            <a:pPr marL="1657350" lvl="3" indent="-285750" algn="l">
+              <a:buFont typeface="Arial" pitchFamily="34" charset="0"/>
+              <a:buChar char="•"/>
+            </a:pPr>
+            <a:r>
               <a:rPr lang="en-US" dirty="0" smtClean="0"/>
               <a:t>Add should return true</a:t>
             </a:r>
@@ -5093,24 +5041,43 @@
               <a:buChar char="•"/>
             </a:pPr>
             <a:r>
+              <a:rPr lang="en-US" b="1" dirty="0" smtClean="0"/>
+              <a:t>Back</a:t>
+            </a:r>
+            <a:r>
+              <a:rPr lang="en-US" b="1" baseline="0" dirty="0" smtClean="0"/>
+              <a:t> to </a:t>
+            </a:r>
+            <a:r>
+              <a:rPr lang="en-US" b="1" baseline="0" dirty="0" err="1" smtClean="0"/>
+              <a:t>CalculatorServiceTest</a:t>
+            </a:r>
+            <a:endParaRPr lang="en-US" b="1" baseline="0" dirty="0" smtClean="0"/>
+          </a:p>
+          <a:p>
+            <a:pPr marL="742950" lvl="1" indent="-285750" algn="l">
+              <a:buFont typeface="Arial" pitchFamily="34" charset="0"/>
+              <a:buChar char="•"/>
+            </a:pPr>
+            <a:r>
+              <a:rPr lang="en-US" b="0" baseline="0" dirty="0" smtClean="0"/>
+              <a:t>Change _</a:t>
+            </a:r>
+            <a:r>
+              <a:rPr lang="en-US" b="0" baseline="0" dirty="0" err="1" smtClean="0"/>
+              <a:t>validationService</a:t>
+            </a:r>
+            <a:r>
+              <a:rPr lang="en-US" b="0" baseline="0" dirty="0" smtClean="0"/>
+              <a:t> = …. Initialize to new up a </a:t>
+            </a:r>
+            <a:r>
+              <a:rPr lang="en-US" b="0" baseline="0" dirty="0" err="1" smtClean="0"/>
+              <a:t>ValidationServiceFake</a:t>
+            </a:r>
+            <a:r>
               <a:rPr lang="en-US" dirty="0" smtClean="0"/>
-              <a:t>Pass ‘</a:t>
-            </a:r>
-            <a:r>
-              <a:rPr lang="en-US" dirty="0" err="1" smtClean="0"/>
-              <a:t>FakeValidationService</a:t>
-            </a:r>
-            <a:r>
-              <a:rPr lang="en-US" dirty="0" smtClean="0"/>
-              <a:t>” to </a:t>
-            </a:r>
-            <a:r>
-              <a:rPr lang="en-US" dirty="0" err="1" smtClean="0"/>
-              <a:t>CalculatorService</a:t>
-            </a:r>
-            <a:r>
-              <a:rPr lang="en-US" dirty="0" smtClean="0"/>
-              <a:t> in test </a:t>
+              <a:t> </a:t>
             </a:r>
           </a:p>
           <a:p>
@@ -5370,7 +5337,7 @@
             </a:pPr>
             <a:r>
               <a:rPr lang="en-US" sz="1400" b="1" u="sng" dirty="0" smtClean="0"/>
-              <a:t>Let’s change out our broken test with a Mock</a:t>
+              <a:t>Let’s change out our test with a Mock</a:t>
             </a:r>
           </a:p>
           <a:p>
@@ -5380,8 +5347,42 @@
             </a:pPr>
             <a:r>
               <a:rPr lang="en-US" sz="1400" dirty="0" smtClean="0"/>
-              <a:t>Install RhinoMocks via NuGet</a:t>
-            </a:r>
+              <a:t>Install RhinoMocks via </a:t>
+            </a:r>
+            <a:r>
+              <a:rPr lang="en-US" sz="1400" dirty="0" err="1" smtClean="0"/>
+              <a:t>NuGet</a:t>
+            </a:r>
+            <a:endParaRPr lang="en-US" sz="1400" dirty="0" smtClean="0"/>
+          </a:p>
+          <a:p>
+            <a:pPr marL="742950" lvl="1" indent="-285750" algn="l">
+              <a:buFont typeface="Arial" pitchFamily="34" charset="0"/>
+              <a:buChar char="•"/>
+            </a:pPr>
+            <a:r>
+              <a:rPr lang="en-US" sz="1400" b="0" dirty="0" smtClean="0"/>
+              <a:t>Under</a:t>
+            </a:r>
+            <a:r>
+              <a:rPr lang="en-US" sz="1400" b="0" baseline="0" dirty="0" smtClean="0"/>
+              <a:t> private property declarations: </a:t>
+            </a:r>
+            <a:r>
+              <a:rPr lang="en-US" sz="1400" b="1" baseline="0" dirty="0" smtClean="0"/>
+              <a:t>tdd10</a:t>
+            </a:r>
+          </a:p>
+          <a:p>
+            <a:pPr marL="742950" lvl="1" indent="-285750" algn="l">
+              <a:buFont typeface="Arial" pitchFamily="34" charset="0"/>
+              <a:buChar char="•"/>
+            </a:pPr>
+            <a:r>
+              <a:rPr lang="en-US" sz="1400" b="1" baseline="0" dirty="0" smtClean="0"/>
+              <a:t>Setup expectations and </a:t>
+            </a:r>
+            <a:endParaRPr lang="en-US" sz="1400" b="0" dirty="0" smtClean="0"/>
           </a:p>
           <a:p>
             <a:r>
@@ -5494,7 +5495,7 @@
           </a:p>
           <a:p>
             <a:r>
-              <a:rPr lang="en-US" sz="1200" b="1" kern="1200" dirty="0" smtClean="0">
+              <a:rPr lang="en-US" sz="1200" kern="1200" dirty="0" smtClean="0">
                 <a:solidFill>
                   <a:schemeClr val="tx1"/>
                 </a:solidFill>
@@ -5502,10 +5503,10 @@
                 <a:ea typeface="+mn-ea"/>
                 <a:cs typeface="+mn-cs"/>
               </a:rPr>
-              <a:t>	            </a:t>
-            </a:r>
-            <a:r>
-              <a:rPr lang="en-US" sz="1200" b="1" kern="1200" dirty="0" err="1" smtClean="0">
+              <a:t>	</a:t>
+            </a:r>
+            <a:r>
+              <a:rPr lang="en-US" sz="1200" kern="1200" baseline="0" dirty="0" smtClean="0">
                 <a:solidFill>
                   <a:schemeClr val="tx1"/>
                 </a:solidFill>
@@ -5513,10 +5514,10 @@
                 <a:ea typeface="+mn-ea"/>
                 <a:cs typeface="+mn-cs"/>
               </a:rPr>
-              <a:t>MockRepository</a:t>
-            </a:r>
-            <a:r>
-              <a:rPr lang="en-US" sz="1200" b="1" kern="1200" dirty="0" smtClean="0">
+              <a:t>            </a:t>
+            </a:r>
+            <a:r>
+              <a:rPr lang="en-US" sz="1200" b="1" kern="1200" baseline="0" dirty="0" smtClean="0">
                 <a:solidFill>
                   <a:schemeClr val="tx1"/>
                 </a:solidFill>
@@ -5524,10 +5525,20 @@
                 <a:ea typeface="+mn-ea"/>
                 <a:cs typeface="+mn-cs"/>
               </a:rPr>
-              <a:t> </a:t>
-            </a:r>
-            <a:r>
-              <a:rPr lang="en-US" sz="1200" b="1" kern="1200" dirty="0" err="1" smtClean="0">
+              <a:t>tdd12</a:t>
+            </a:r>
+            <a:endParaRPr lang="en-US" sz="1200" kern="1200" dirty="0" smtClean="0">
+              <a:solidFill>
+                <a:schemeClr val="tx1"/>
+              </a:solidFill>
+              <a:latin typeface="+mn-lt"/>
+              <a:ea typeface="+mn-ea"/>
+              <a:cs typeface="+mn-cs"/>
+            </a:endParaRPr>
+          </a:p>
+          <a:p>
+            <a:r>
+              <a:rPr lang="en-US" sz="1200" b="1" kern="1200" dirty="0" smtClean="0">
                 <a:solidFill>
                   <a:schemeClr val="tx1"/>
                 </a:solidFill>
@@ -5535,10 +5546,10 @@
                 <a:ea typeface="+mn-ea"/>
                 <a:cs typeface="+mn-cs"/>
               </a:rPr>
-              <a:t>mockRepository</a:t>
-            </a:r>
-            <a:r>
-              <a:rPr lang="en-US" sz="1200" b="1" kern="1200" dirty="0" smtClean="0">
+              <a:t>	   </a:t>
+            </a:r>
+            <a:r>
+              <a:rPr lang="en-US" sz="1200" b="1" kern="1200" baseline="0" dirty="0" smtClean="0">
                 <a:solidFill>
                   <a:schemeClr val="tx1"/>
                 </a:solidFill>
@@ -5546,10 +5557,10 @@
                 <a:ea typeface="+mn-ea"/>
                 <a:cs typeface="+mn-cs"/>
               </a:rPr>
-              <a:t> = new </a:t>
-            </a:r>
-            <a:r>
-              <a:rPr lang="en-US" sz="1200" b="1" kern="1200" dirty="0" err="1" smtClean="0">
+              <a:t>         </a:t>
+            </a:r>
+            <a:r>
+              <a:rPr lang="en-US" sz="1200" kern="1200" dirty="0" smtClean="0">
                 <a:solidFill>
                   <a:schemeClr val="tx1"/>
                 </a:solidFill>
@@ -5557,325 +5568,7 @@
                 <a:ea typeface="+mn-ea"/>
                 <a:cs typeface="+mn-cs"/>
               </a:rPr>
-              <a:t>MockRepository</a:t>
-            </a:r>
-            <a:r>
-              <a:rPr lang="en-US" sz="1200" b="1" kern="1200" dirty="0" smtClean="0">
-                <a:solidFill>
-                  <a:schemeClr val="tx1"/>
-                </a:solidFill>
-                <a:latin typeface="+mn-lt"/>
-                <a:ea typeface="+mn-ea"/>
-                <a:cs typeface="+mn-cs"/>
-              </a:rPr>
-              <a:t>();</a:t>
-            </a:r>
-          </a:p>
-          <a:p>
-            <a:r>
-              <a:rPr lang="en-US" sz="1200" b="1" kern="1200" dirty="0" smtClean="0">
-                <a:solidFill>
-                  <a:schemeClr val="tx1"/>
-                </a:solidFill>
-                <a:latin typeface="+mn-lt"/>
-                <a:ea typeface="+mn-ea"/>
-                <a:cs typeface="+mn-cs"/>
-              </a:rPr>
-              <a:t>	            </a:t>
-            </a:r>
-            <a:r>
-              <a:rPr lang="en-US" sz="1200" b="1" kern="1200" dirty="0" err="1" smtClean="0">
-                <a:solidFill>
-                  <a:schemeClr val="tx1"/>
-                </a:solidFill>
-                <a:latin typeface="+mn-lt"/>
-                <a:ea typeface="+mn-ea"/>
-                <a:cs typeface="+mn-cs"/>
-              </a:rPr>
-              <a:t>IValidationService</a:t>
-            </a:r>
-            <a:r>
-              <a:rPr lang="en-US" sz="1200" b="1" kern="1200" dirty="0" smtClean="0">
-                <a:solidFill>
-                  <a:schemeClr val="tx1"/>
-                </a:solidFill>
-                <a:latin typeface="+mn-lt"/>
-                <a:ea typeface="+mn-ea"/>
-                <a:cs typeface="+mn-cs"/>
-              </a:rPr>
-              <a:t> </a:t>
-            </a:r>
-            <a:r>
-              <a:rPr lang="en-US" sz="1200" b="1" kern="1200" dirty="0" err="1" smtClean="0">
-                <a:solidFill>
-                  <a:schemeClr val="tx1"/>
-                </a:solidFill>
-                <a:latin typeface="+mn-lt"/>
-                <a:ea typeface="+mn-ea"/>
-                <a:cs typeface="+mn-cs"/>
-              </a:rPr>
-              <a:t>validationServiceMock</a:t>
-            </a:r>
-            <a:r>
-              <a:rPr lang="en-US" sz="1200" b="1" kern="1200" dirty="0" smtClean="0">
-                <a:solidFill>
-                  <a:schemeClr val="tx1"/>
-                </a:solidFill>
-                <a:latin typeface="+mn-lt"/>
-                <a:ea typeface="+mn-ea"/>
-                <a:cs typeface="+mn-cs"/>
-              </a:rPr>
-              <a:t> = </a:t>
-            </a:r>
-            <a:r>
-              <a:rPr lang="en-US" sz="1200" b="1" kern="1200" dirty="0" err="1" smtClean="0">
-                <a:solidFill>
-                  <a:schemeClr val="tx1"/>
-                </a:solidFill>
-                <a:latin typeface="+mn-lt"/>
-                <a:ea typeface="+mn-ea"/>
-                <a:cs typeface="+mn-cs"/>
-              </a:rPr>
-              <a:t>mockRepository.StrictMock</a:t>
-            </a:r>
-            <a:r>
-              <a:rPr lang="en-US" sz="1200" b="1" kern="1200" dirty="0" smtClean="0">
-                <a:solidFill>
-                  <a:schemeClr val="tx1"/>
-                </a:solidFill>
-                <a:latin typeface="+mn-lt"/>
-                <a:ea typeface="+mn-ea"/>
-                <a:cs typeface="+mn-cs"/>
-              </a:rPr>
-              <a:t>&lt;</a:t>
-            </a:r>
-            <a:r>
-              <a:rPr lang="en-US" sz="1200" b="1" kern="1200" dirty="0" err="1" smtClean="0">
-                <a:solidFill>
-                  <a:schemeClr val="tx1"/>
-                </a:solidFill>
-                <a:latin typeface="+mn-lt"/>
-                <a:ea typeface="+mn-ea"/>
-                <a:cs typeface="+mn-cs"/>
-              </a:rPr>
-              <a:t>IValidationService</a:t>
-            </a:r>
-            <a:r>
-              <a:rPr lang="en-US" sz="1200" b="1" kern="1200" dirty="0" smtClean="0">
-                <a:solidFill>
-                  <a:schemeClr val="tx1"/>
-                </a:solidFill>
-                <a:latin typeface="+mn-lt"/>
-                <a:ea typeface="+mn-ea"/>
-                <a:cs typeface="+mn-cs"/>
-              </a:rPr>
-              <a:t>&gt;();</a:t>
-            </a:r>
-          </a:p>
-          <a:p>
-            <a:r>
-              <a:rPr lang="en-US" sz="1200" b="1" kern="1200" dirty="0" smtClean="0">
-                <a:solidFill>
-                  <a:schemeClr val="tx1"/>
-                </a:solidFill>
-                <a:latin typeface="+mn-lt"/>
-                <a:ea typeface="+mn-ea"/>
-                <a:cs typeface="+mn-cs"/>
-              </a:rPr>
-              <a:t>	            </a:t>
-            </a:r>
-            <a:r>
-              <a:rPr lang="en-US" sz="1200" b="1" kern="1200" dirty="0" err="1" smtClean="0">
-                <a:solidFill>
-                  <a:schemeClr val="tx1"/>
-                </a:solidFill>
-                <a:latin typeface="+mn-lt"/>
-                <a:ea typeface="+mn-ea"/>
-                <a:cs typeface="+mn-cs"/>
-              </a:rPr>
-              <a:t>validationServiceMock.Expect</a:t>
-            </a:r>
-            <a:r>
-              <a:rPr lang="en-US" sz="1200" b="1" kern="1200" dirty="0" smtClean="0">
-                <a:solidFill>
-                  <a:schemeClr val="tx1"/>
-                </a:solidFill>
-                <a:latin typeface="+mn-lt"/>
-                <a:ea typeface="+mn-ea"/>
-                <a:cs typeface="+mn-cs"/>
-              </a:rPr>
-              <a:t>(x =&gt; </a:t>
-            </a:r>
-            <a:r>
-              <a:rPr lang="en-US" sz="1200" b="1" kern="1200" dirty="0" err="1" smtClean="0">
-                <a:solidFill>
-                  <a:schemeClr val="tx1"/>
-                </a:solidFill>
-                <a:latin typeface="+mn-lt"/>
-                <a:ea typeface="+mn-ea"/>
-                <a:cs typeface="+mn-cs"/>
-              </a:rPr>
-              <a:t>x.ValidateForAdd</a:t>
-            </a:r>
-            <a:r>
-              <a:rPr lang="en-US" sz="1200" b="1" kern="1200" dirty="0" smtClean="0">
-                <a:solidFill>
-                  <a:schemeClr val="tx1"/>
-                </a:solidFill>
-                <a:latin typeface="+mn-lt"/>
-                <a:ea typeface="+mn-ea"/>
-                <a:cs typeface="+mn-cs"/>
-              </a:rPr>
-              <a:t>(val1, val2)).Return(true).</a:t>
-            </a:r>
-            <a:r>
-              <a:rPr lang="en-US" sz="1200" b="1" kern="1200" dirty="0" err="1" smtClean="0">
-                <a:solidFill>
-                  <a:schemeClr val="tx1"/>
-                </a:solidFill>
-                <a:latin typeface="+mn-lt"/>
-                <a:ea typeface="+mn-ea"/>
-                <a:cs typeface="+mn-cs"/>
-              </a:rPr>
-              <a:t>Repeat.Once</a:t>
-            </a:r>
-            <a:r>
-              <a:rPr lang="en-US" sz="1200" b="1" kern="1200" dirty="0" smtClean="0">
-                <a:solidFill>
-                  <a:schemeClr val="tx1"/>
-                </a:solidFill>
-                <a:latin typeface="+mn-lt"/>
-                <a:ea typeface="+mn-ea"/>
-                <a:cs typeface="+mn-cs"/>
-              </a:rPr>
-              <a:t>();</a:t>
-            </a:r>
-          </a:p>
-          <a:p>
-            <a:r>
-              <a:rPr lang="en-US" sz="1200" b="1" kern="1200" dirty="0" smtClean="0">
-                <a:solidFill>
-                  <a:schemeClr val="tx1"/>
-                </a:solidFill>
-                <a:latin typeface="+mn-lt"/>
-                <a:ea typeface="+mn-ea"/>
-                <a:cs typeface="+mn-cs"/>
-              </a:rPr>
-              <a:t>	            </a:t>
-            </a:r>
-            <a:r>
-              <a:rPr lang="en-US" sz="1200" b="1" kern="1200" dirty="0" err="1" smtClean="0">
-                <a:solidFill>
-                  <a:schemeClr val="tx1"/>
-                </a:solidFill>
-                <a:latin typeface="+mn-lt"/>
-                <a:ea typeface="+mn-ea"/>
-                <a:cs typeface="+mn-cs"/>
-              </a:rPr>
-              <a:t>mockRepository.ReplayAll</a:t>
-            </a:r>
-            <a:r>
-              <a:rPr lang="en-US" sz="1200" b="1" kern="1200" dirty="0" smtClean="0">
-                <a:solidFill>
-                  <a:schemeClr val="tx1"/>
-                </a:solidFill>
-                <a:latin typeface="+mn-lt"/>
-                <a:ea typeface="+mn-ea"/>
-                <a:cs typeface="+mn-cs"/>
-              </a:rPr>
-              <a:t>();</a:t>
-            </a:r>
-          </a:p>
-          <a:p>
-            <a:r>
-              <a:rPr lang="en-US" sz="1200" kern="1200" dirty="0" smtClean="0">
-                <a:solidFill>
-                  <a:schemeClr val="tx1"/>
-                </a:solidFill>
-                <a:latin typeface="+mn-lt"/>
-                <a:ea typeface="+mn-ea"/>
-                <a:cs typeface="+mn-cs"/>
-              </a:rPr>
-              <a:t>	            </a:t>
-            </a:r>
-            <a:r>
-              <a:rPr lang="en-US" sz="1200" kern="1200" dirty="0" err="1" smtClean="0">
-                <a:solidFill>
-                  <a:schemeClr val="tx1"/>
-                </a:solidFill>
-                <a:latin typeface="+mn-lt"/>
-                <a:ea typeface="+mn-ea"/>
-                <a:cs typeface="+mn-cs"/>
-              </a:rPr>
-              <a:t>ICalculatorService</a:t>
-            </a:r>
-            <a:r>
-              <a:rPr lang="en-US" sz="1200" kern="1200" dirty="0" smtClean="0">
-                <a:solidFill>
-                  <a:schemeClr val="tx1"/>
-                </a:solidFill>
-                <a:latin typeface="+mn-lt"/>
-                <a:ea typeface="+mn-ea"/>
-                <a:cs typeface="+mn-cs"/>
-              </a:rPr>
-              <a:t> service = new </a:t>
-            </a:r>
-            <a:r>
-              <a:rPr lang="en-US" sz="1200" kern="1200" dirty="0" err="1" smtClean="0">
-                <a:solidFill>
-                  <a:schemeClr val="tx1"/>
-                </a:solidFill>
-                <a:latin typeface="+mn-lt"/>
-                <a:ea typeface="+mn-ea"/>
-                <a:cs typeface="+mn-cs"/>
-              </a:rPr>
-              <a:t>CalculatorService</a:t>
-            </a:r>
-            <a:r>
-              <a:rPr lang="en-US" sz="1200" kern="1200" dirty="0" smtClean="0">
-                <a:solidFill>
-                  <a:schemeClr val="tx1"/>
-                </a:solidFill>
-                <a:latin typeface="+mn-lt"/>
-                <a:ea typeface="+mn-ea"/>
-                <a:cs typeface="+mn-cs"/>
-              </a:rPr>
-              <a:t>(</a:t>
-            </a:r>
-            <a:r>
-              <a:rPr lang="en-US" sz="1200" b="1" kern="1200" dirty="0" err="1" smtClean="0">
-                <a:solidFill>
-                  <a:schemeClr val="tx1"/>
-                </a:solidFill>
-                <a:latin typeface="+mn-lt"/>
-                <a:ea typeface="+mn-ea"/>
-                <a:cs typeface="+mn-cs"/>
-              </a:rPr>
-              <a:t>validationServiceMock</a:t>
-            </a:r>
-            <a:r>
-              <a:rPr lang="en-US" sz="1200" kern="1200" dirty="0" smtClean="0">
-                <a:solidFill>
-                  <a:schemeClr val="tx1"/>
-                </a:solidFill>
-                <a:latin typeface="+mn-lt"/>
-                <a:ea typeface="+mn-ea"/>
-                <a:cs typeface="+mn-cs"/>
-              </a:rPr>
-              <a:t>);</a:t>
-            </a:r>
-          </a:p>
-          <a:p>
-            <a:r>
-              <a:rPr lang="en-US" sz="1200" kern="1200" dirty="0" smtClean="0">
-                <a:solidFill>
-                  <a:schemeClr val="tx1"/>
-                </a:solidFill>
-                <a:latin typeface="+mn-lt"/>
-                <a:ea typeface="+mn-ea"/>
-                <a:cs typeface="+mn-cs"/>
-              </a:rPr>
-              <a:t>	            //Act</a:t>
+              <a:t>//Act</a:t>
             </a:r>
           </a:p>
           <a:p>
@@ -6569,15 +6262,15 @@
             </a:pPr>
             <a:r>
               <a:rPr lang="en-US" sz="1400" dirty="0" smtClean="0"/>
-              <a:t>Show </a:t>
+              <a:t>Go to </a:t>
             </a:r>
             <a:r>
               <a:rPr lang="en-US" sz="1400" dirty="0" err="1" smtClean="0"/>
-              <a:t>DependencyResolver</a:t>
+              <a:t>CalculatorService</a:t>
             </a:r>
             <a:r>
               <a:rPr lang="en-US" sz="1400" dirty="0" smtClean="0"/>
-              <a:t> and talk about what it is doing</a:t>
+              <a:t> and remove constructor injection</a:t>
             </a:r>
           </a:p>
           <a:p>
@@ -6586,14 +6279,9 @@
               <a:buChar char="•"/>
             </a:pPr>
             <a:r>
-              <a:rPr lang="en-US" sz="1400" dirty="0" smtClean="0"/>
-              <a:t>Show </a:t>
-            </a:r>
-            <a:r>
-              <a:rPr lang="en-US" sz="1400" dirty="0" err="1" smtClean="0"/>
-              <a:t>BootStrapper</a:t>
-            </a:r>
-            <a:endParaRPr lang="en-US" sz="1400" dirty="0" smtClean="0"/>
+              <a:rPr lang="en-US" sz="1400" b="1" dirty="0" smtClean="0"/>
+              <a:t>tdd13</a:t>
+            </a:r>
           </a:p>
           <a:p>
             <a:pPr marL="742950" lvl="1" indent="-285750" algn="l">
@@ -6602,15 +6290,7 @@
             </a:pPr>
             <a:r>
               <a:rPr lang="en-US" sz="1400" dirty="0" smtClean="0"/>
-              <a:t>Go to </a:t>
-            </a:r>
-            <a:r>
-              <a:rPr lang="en-US" sz="1400" dirty="0" err="1" smtClean="0"/>
-              <a:t>CalculatorService</a:t>
-            </a:r>
-            <a:r>
-              <a:rPr lang="en-US" sz="1400" dirty="0" smtClean="0"/>
-              <a:t> and remove constructor injection</a:t>
+              <a:t>Build and clean up errors</a:t>
             </a:r>
           </a:p>
           <a:p>
@@ -6620,7 +6300,15 @@
             </a:pPr>
             <a:r>
               <a:rPr lang="en-US" sz="1400" dirty="0" smtClean="0"/>
-              <a:t>Replace with </a:t>
+              <a:t>Run and note </a:t>
+            </a:r>
+            <a:r>
+              <a:rPr lang="en-US" sz="1400" dirty="0" err="1" smtClean="0"/>
+              <a:t>PlugIn</a:t>
+            </a:r>
+            <a:r>
+              <a:rPr lang="en-US" sz="1400" dirty="0" smtClean="0"/>
+              <a:t> not defined error – StructureMap is not configured</a:t>
             </a:r>
           </a:p>
           <a:p>
@@ -6630,24 +6318,53 @@
             </a:pPr>
             <a:r>
               <a:rPr lang="en-US" sz="1400" dirty="0" smtClean="0"/>
-              <a:t>Add </a:t>
-            </a:r>
-            <a:r>
-              <a:rPr lang="en-US" sz="1400" b="1" dirty="0" err="1" smtClean="0"/>
-              <a:t>DependencyResolver.GetConcreteInstanceOf</a:t>
-            </a:r>
-            <a:r>
-              <a:rPr lang="en-US" sz="1400" b="1" dirty="0" smtClean="0"/>
-              <a:t>&lt;</a:t>
-            </a:r>
-            <a:r>
-              <a:rPr lang="en-US" sz="1400" b="1" dirty="0" err="1" smtClean="0"/>
-              <a:t>IValidationService</a:t>
-            </a:r>
-            <a:r>
-              <a:rPr lang="en-US" sz="1400" b="1" dirty="0" smtClean="0"/>
-              <a:t>&gt;()</a:t>
-            </a:r>
+              <a:t>So let’s configure</a:t>
+            </a:r>
+          </a:p>
+          <a:p>
+            <a:pPr marL="1200150" lvl="2" indent="-285750" algn="l">
+              <a:buFont typeface="Arial" pitchFamily="34" charset="0"/>
+              <a:buChar char="•"/>
+            </a:pPr>
+            <a:r>
+              <a:rPr lang="en-US" sz="1400" dirty="0" smtClean="0"/>
+              <a:t>Add</a:t>
+            </a:r>
+            <a:r>
+              <a:rPr lang="en-US" sz="1400" baseline="0" dirty="0" smtClean="0"/>
+              <a:t> between </a:t>
+            </a:r>
+            <a:r>
+              <a:rPr lang="en-US" sz="1400" b="1" baseline="0" dirty="0" smtClean="0"/>
+              <a:t>_</a:t>
+            </a:r>
+            <a:r>
+              <a:rPr lang="en-US" sz="1400" b="1" baseline="0" dirty="0" err="1" smtClean="0"/>
+              <a:t>validationService</a:t>
+            </a:r>
+            <a:r>
+              <a:rPr lang="en-US" sz="1400" b="1" baseline="0" dirty="0" smtClean="0"/>
+              <a:t> = </a:t>
+            </a:r>
+            <a:r>
+              <a:rPr lang="en-US" sz="1400" b="0" baseline="0" dirty="0" smtClean="0"/>
+              <a:t>and </a:t>
+            </a:r>
+            <a:r>
+              <a:rPr lang="en-US" sz="1400" b="1" baseline="0" dirty="0" smtClean="0"/>
+              <a:t>_service = </a:t>
+            </a:r>
+          </a:p>
+          <a:p>
+            <a:pPr marL="1200150" lvl="2" indent="-285750" algn="l">
+              <a:buFont typeface="Arial" pitchFamily="34" charset="0"/>
+              <a:buChar char="•"/>
+            </a:pPr>
+            <a:r>
+              <a:rPr lang="en-US" sz="1400" b="1" baseline="0" smtClean="0"/>
+              <a:t>tdd14</a:t>
+            </a:r>
+            <a:endParaRPr lang="en-US" sz="1400" b="1" dirty="0" smtClean="0"/>
           </a:p>
           <a:p>
             <a:pPr marL="742950" lvl="1" indent="-285750" algn="l">
@@ -6656,181 +6373,8 @@
             </a:pPr>
             <a:r>
               <a:rPr lang="en-US" sz="1400" dirty="0" smtClean="0"/>
-              <a:t>Build and clean up errors</a:t>
-            </a:r>
-          </a:p>
-          <a:p>
-            <a:pPr marL="742950" lvl="1" indent="-285750" algn="l">
-              <a:buFont typeface="Arial" pitchFamily="34" charset="0"/>
-              <a:buChar char="•"/>
-            </a:pPr>
-            <a:r>
-              <a:rPr lang="en-US" sz="1400" dirty="0" smtClean="0"/>
-              <a:t>Run and note </a:t>
-            </a:r>
-            <a:r>
-              <a:rPr lang="en-US" sz="1400" dirty="0" err="1" smtClean="0"/>
-              <a:t>PlugIn</a:t>
-            </a:r>
-            <a:r>
-              <a:rPr lang="en-US" sz="1400" dirty="0" smtClean="0"/>
-              <a:t> not defined error – StructureMap is not configured</a:t>
-            </a:r>
-          </a:p>
-          <a:p>
-            <a:pPr marL="742950" lvl="1" indent="-285750" algn="l">
-              <a:buFont typeface="Arial" pitchFamily="34" charset="0"/>
-              <a:buChar char="•"/>
-            </a:pPr>
-            <a:r>
-              <a:rPr lang="en-US" sz="1400" dirty="0" smtClean="0"/>
-              <a:t>So let’s configure</a:t>
-            </a:r>
-          </a:p>
-          <a:p>
-            <a:pPr marL="1200150" lvl="2" indent="-285750" algn="l">
-              <a:buFont typeface="Arial" pitchFamily="34" charset="0"/>
-              <a:buChar char="•"/>
-            </a:pPr>
-            <a:r>
-              <a:rPr lang="en-US" sz="1400" b="1" dirty="0" smtClean="0"/>
-              <a:t>Add immediately before </a:t>
-            </a:r>
-            <a:r>
-              <a:rPr lang="en-US" sz="1400" b="1" i="1" u="none" dirty="0" err="1" smtClean="0"/>
-              <a:t>mockRepository.ReplayAll</a:t>
-            </a:r>
-            <a:endParaRPr lang="en-US" sz="1400" b="1" i="1" u="none" dirty="0" smtClean="0"/>
-          </a:p>
-          <a:p>
-            <a:pPr marL="1200150" lvl="2" indent="-285750" algn="l">
-              <a:buFont typeface="Arial" pitchFamily="34" charset="0"/>
-              <a:buChar char="•"/>
-            </a:pPr>
-            <a:r>
-              <a:rPr lang="en-US" sz="1400" b="1" dirty="0" err="1" smtClean="0">
-                <a:solidFill>
-                  <a:srgbClr val="2B91AF"/>
-                </a:solidFill>
-                <a:highlight>
-                  <a:srgbClr val="FFFFFF"/>
-                </a:highlight>
-                <a:latin typeface="Consolas"/>
-              </a:rPr>
-              <a:t>ObjectFactory</a:t>
-            </a:r>
-            <a:r>
-              <a:rPr lang="en-US" sz="1400" b="1" dirty="0" err="1" smtClean="0">
-                <a:solidFill>
-                  <a:srgbClr val="000000"/>
-                </a:solidFill>
-                <a:highlight>
-                  <a:srgbClr val="FFFFFF"/>
-                </a:highlight>
-                <a:latin typeface="Consolas"/>
-              </a:rPr>
-              <a:t>.Initialize</a:t>
-            </a:r>
-            <a:r>
-              <a:rPr lang="en-US" sz="1400" b="1" dirty="0" smtClean="0">
-                <a:solidFill>
-                  <a:srgbClr val="000000"/>
-                </a:solidFill>
-                <a:highlight>
-                  <a:srgbClr val="FFFFFF"/>
-                </a:highlight>
-                <a:latin typeface="Consolas"/>
-              </a:rPr>
-              <a:t>(x =&gt; </a:t>
-            </a:r>
-            <a:r>
-              <a:rPr lang="en-US" sz="1400" b="1" dirty="0" err="1" smtClean="0">
-                <a:solidFill>
-                  <a:srgbClr val="000000"/>
-                </a:solidFill>
-                <a:highlight>
-                  <a:srgbClr val="FFFFFF"/>
-                </a:highlight>
-                <a:latin typeface="Consolas"/>
-              </a:rPr>
-              <a:t>x.For</a:t>
-            </a:r>
-            <a:r>
-              <a:rPr lang="en-US" sz="1400" b="1" dirty="0" smtClean="0">
-                <a:solidFill>
-                  <a:srgbClr val="000000"/>
-                </a:solidFill>
-                <a:highlight>
-                  <a:srgbClr val="FFFFFF"/>
-                </a:highlight>
-                <a:latin typeface="Consolas"/>
-              </a:rPr>
-              <a:t>&lt;</a:t>
-            </a:r>
-            <a:r>
-              <a:rPr lang="en-US" sz="1400" b="1" dirty="0" err="1" smtClean="0">
-                <a:solidFill>
-                  <a:srgbClr val="2B91AF"/>
-                </a:solidFill>
-                <a:highlight>
-                  <a:srgbClr val="FFFFFF"/>
-                </a:highlight>
-                <a:latin typeface="Consolas"/>
-              </a:rPr>
-              <a:t>IValidationService</a:t>
-            </a:r>
-            <a:r>
-              <a:rPr lang="en-US" sz="1400" b="1" dirty="0" smtClean="0">
-                <a:solidFill>
-                  <a:srgbClr val="000000"/>
-                </a:solidFill>
-                <a:highlight>
-                  <a:srgbClr val="FFFFFF"/>
-                </a:highlight>
-                <a:latin typeface="Consolas"/>
-              </a:rPr>
-              <a:t>&gt;().Use(_</a:t>
-            </a:r>
-            <a:r>
-              <a:rPr lang="en-US" sz="1400" b="1" dirty="0" err="1" smtClean="0">
-                <a:solidFill>
-                  <a:srgbClr val="000000"/>
-                </a:solidFill>
-                <a:highlight>
-                  <a:srgbClr val="FFFFFF"/>
-                </a:highlight>
-                <a:latin typeface="Consolas"/>
-              </a:rPr>
-              <a:t>validationService</a:t>
-            </a:r>
-            <a:r>
-              <a:rPr lang="en-US" sz="1400" b="1" dirty="0" smtClean="0">
-                <a:solidFill>
-                  <a:srgbClr val="000000"/>
-                </a:solidFill>
-                <a:highlight>
-                  <a:srgbClr val="FFFFFF"/>
-                </a:highlight>
-                <a:latin typeface="Consolas"/>
-              </a:rPr>
-              <a:t>));</a:t>
-            </a:r>
-            <a:endParaRPr lang="en-US" sz="1400" b="1" dirty="0" smtClean="0"/>
-          </a:p>
-          <a:p>
-            <a:pPr marL="742950" lvl="1" indent="-285750" algn="l">
-              <a:buFont typeface="Arial" pitchFamily="34" charset="0"/>
-              <a:buChar char="•"/>
-            </a:pPr>
-            <a:r>
-              <a:rPr lang="en-US" sz="1400" dirty="0" smtClean="0"/>
-              <a:t>Run test – and we </a:t>
-            </a:r>
-            <a:r>
-              <a:rPr lang="en-US" sz="1400" smtClean="0"/>
-              <a:t>are golden</a:t>
-            </a:r>
-            <a:endParaRPr lang="en-US" sz="1400" dirty="0" smtClean="0"/>
+              <a:t>Run test – and we are golden</a:t>
+            </a:r>
           </a:p>
           <a:p>
             <a:pPr eaLnBrk="1" hangingPunct="1">
